--- a/PowerShell/PowerShell_DogFood.pptx
+++ b/PowerShell/PowerShell_DogFood.pptx
@@ -174,10 +174,9 @@
           </a:lstStyle>
           <a:p>
             <a:r>
-              <a:rPr lang="en-US" smtClean="0"/>
+              <a:rPr lang="en-US"/>
               <a:t>Click to edit Master title style</a:t>
             </a:r>
-            <a:endParaRPr lang="en-US"/>
           </a:p>
         </p:txBody>
       </p:sp>
@@ -239,10 +238,9 @@
           </a:lstStyle>
           <a:p>
             <a:r>
-              <a:rPr lang="en-US" smtClean="0"/>
+              <a:rPr lang="en-US"/>
               <a:t>Click to edit Master subtitle style</a:t>
             </a:r>
-            <a:endParaRPr lang="en-US"/>
           </a:p>
         </p:txBody>
       </p:sp>
@@ -263,7 +261,7 @@
           <a:p>
             <a:fld id="{EBB1EDE4-EBC1-44BD-AB94-72613FE76A8B}" type="datetimeFigureOut">
               <a:rPr lang="en-US" smtClean="0"/>
-              <a:t>3/6/2020</a:t>
+              <a:t>8/9/2021</a:t>
             </a:fld>
             <a:endParaRPr lang="en-US"/>
           </a:p>
@@ -357,10 +355,9 @@
           <a:lstStyle/>
           <a:p>
             <a:r>
-              <a:rPr lang="en-US" smtClean="0"/>
+              <a:rPr lang="en-US"/>
               <a:t>Click to edit Master title style</a:t>
             </a:r>
-            <a:endParaRPr lang="en-US"/>
           </a:p>
         </p:txBody>
       </p:sp>
@@ -381,38 +378,37 @@
           <a:p>
             <a:pPr lvl="0"/>
             <a:r>
-              <a:rPr lang="en-US" smtClean="0"/>
+              <a:rPr lang="en-US"/>
               <a:t>Edit Master text styles</a:t>
             </a:r>
           </a:p>
           <a:p>
             <a:pPr lvl="1"/>
             <a:r>
-              <a:rPr lang="en-US" smtClean="0"/>
+              <a:rPr lang="en-US"/>
               <a:t>Second level</a:t>
             </a:r>
           </a:p>
           <a:p>
             <a:pPr lvl="2"/>
             <a:r>
-              <a:rPr lang="en-US" smtClean="0"/>
+              <a:rPr lang="en-US"/>
               <a:t>Third level</a:t>
             </a:r>
           </a:p>
           <a:p>
             <a:pPr lvl="3"/>
             <a:r>
-              <a:rPr lang="en-US" smtClean="0"/>
+              <a:rPr lang="en-US"/>
               <a:t>Fourth level</a:t>
             </a:r>
           </a:p>
           <a:p>
             <a:pPr lvl="4"/>
             <a:r>
-              <a:rPr lang="en-US" smtClean="0"/>
+              <a:rPr lang="en-US"/>
               <a:t>Fifth level</a:t>
             </a:r>
-            <a:endParaRPr lang="en-US"/>
           </a:p>
         </p:txBody>
       </p:sp>
@@ -433,7 +429,7 @@
           <a:p>
             <a:fld id="{EBB1EDE4-EBC1-44BD-AB94-72613FE76A8B}" type="datetimeFigureOut">
               <a:rPr lang="en-US" smtClean="0"/>
-              <a:t>3/6/2020</a:t>
+              <a:t>8/9/2021</a:t>
             </a:fld>
             <a:endParaRPr lang="en-US"/>
           </a:p>
@@ -532,10 +528,9 @@
           <a:lstStyle/>
           <a:p>
             <a:r>
-              <a:rPr lang="en-US" smtClean="0"/>
+              <a:rPr lang="en-US"/>
               <a:t>Click to edit Master title style</a:t>
             </a:r>
-            <a:endParaRPr lang="en-US"/>
           </a:p>
         </p:txBody>
       </p:sp>
@@ -561,38 +556,37 @@
           <a:p>
             <a:pPr lvl="0"/>
             <a:r>
-              <a:rPr lang="en-US" smtClean="0"/>
+              <a:rPr lang="en-US"/>
               <a:t>Edit Master text styles</a:t>
             </a:r>
           </a:p>
           <a:p>
             <a:pPr lvl="1"/>
             <a:r>
-              <a:rPr lang="en-US" smtClean="0"/>
+              <a:rPr lang="en-US"/>
               <a:t>Second level</a:t>
             </a:r>
           </a:p>
           <a:p>
             <a:pPr lvl="2"/>
             <a:r>
-              <a:rPr lang="en-US" smtClean="0"/>
+              <a:rPr lang="en-US"/>
               <a:t>Third level</a:t>
             </a:r>
           </a:p>
           <a:p>
             <a:pPr lvl="3"/>
             <a:r>
-              <a:rPr lang="en-US" smtClean="0"/>
+              <a:rPr lang="en-US"/>
               <a:t>Fourth level</a:t>
             </a:r>
           </a:p>
           <a:p>
             <a:pPr lvl="4"/>
             <a:r>
-              <a:rPr lang="en-US" smtClean="0"/>
+              <a:rPr lang="en-US"/>
               <a:t>Fifth level</a:t>
             </a:r>
-            <a:endParaRPr lang="en-US"/>
           </a:p>
         </p:txBody>
       </p:sp>
@@ -613,7 +607,7 @@
           <a:p>
             <a:fld id="{EBB1EDE4-EBC1-44BD-AB94-72613FE76A8B}" type="datetimeFigureOut">
               <a:rPr lang="en-US" smtClean="0"/>
-              <a:t>3/6/2020</a:t>
+              <a:t>8/9/2021</a:t>
             </a:fld>
             <a:endParaRPr lang="en-US"/>
           </a:p>
@@ -707,10 +701,9 @@
           <a:lstStyle/>
           <a:p>
             <a:r>
-              <a:rPr lang="en-US" smtClean="0"/>
+              <a:rPr lang="en-US"/>
               <a:t>Click to edit Master title style</a:t>
             </a:r>
-            <a:endParaRPr lang="en-US"/>
           </a:p>
         </p:txBody>
       </p:sp>
@@ -731,38 +724,37 @@
           <a:p>
             <a:pPr lvl="0"/>
             <a:r>
-              <a:rPr lang="en-US" smtClean="0"/>
+              <a:rPr lang="en-US"/>
               <a:t>Edit Master text styles</a:t>
             </a:r>
           </a:p>
           <a:p>
             <a:pPr lvl="1"/>
             <a:r>
-              <a:rPr lang="en-US" smtClean="0"/>
+              <a:rPr lang="en-US"/>
               <a:t>Second level</a:t>
             </a:r>
           </a:p>
           <a:p>
             <a:pPr lvl="2"/>
             <a:r>
-              <a:rPr lang="en-US" smtClean="0"/>
+              <a:rPr lang="en-US"/>
               <a:t>Third level</a:t>
             </a:r>
           </a:p>
           <a:p>
             <a:pPr lvl="3"/>
             <a:r>
-              <a:rPr lang="en-US" smtClean="0"/>
+              <a:rPr lang="en-US"/>
               <a:t>Fourth level</a:t>
             </a:r>
           </a:p>
           <a:p>
             <a:pPr lvl="4"/>
             <a:r>
-              <a:rPr lang="en-US" smtClean="0"/>
+              <a:rPr lang="en-US"/>
               <a:t>Fifth level</a:t>
             </a:r>
-            <a:endParaRPr lang="en-US"/>
           </a:p>
         </p:txBody>
       </p:sp>
@@ -783,7 +775,7 @@
           <a:p>
             <a:fld id="{EBB1EDE4-EBC1-44BD-AB94-72613FE76A8B}" type="datetimeFigureOut">
               <a:rPr lang="en-US" smtClean="0"/>
-              <a:t>3/6/2020</a:t>
+              <a:t>8/9/2021</a:t>
             </a:fld>
             <a:endParaRPr lang="en-US"/>
           </a:p>
@@ -886,10 +878,9 @@
           </a:lstStyle>
           <a:p>
             <a:r>
-              <a:rPr lang="en-US" smtClean="0"/>
+              <a:rPr lang="en-US"/>
               <a:t>Click to edit Master title style</a:t>
             </a:r>
-            <a:endParaRPr lang="en-US"/>
           </a:p>
         </p:txBody>
       </p:sp>
@@ -1006,7 +997,7 @@
           <a:p>
             <a:pPr lvl="0"/>
             <a:r>
-              <a:rPr lang="en-US" smtClean="0"/>
+              <a:rPr lang="en-US"/>
               <a:t>Edit Master text styles</a:t>
             </a:r>
           </a:p>
@@ -1029,7 +1020,7 @@
           <a:p>
             <a:fld id="{EBB1EDE4-EBC1-44BD-AB94-72613FE76A8B}" type="datetimeFigureOut">
               <a:rPr lang="en-US" smtClean="0"/>
-              <a:t>3/6/2020</a:t>
+              <a:t>8/9/2021</a:t>
             </a:fld>
             <a:endParaRPr lang="en-US"/>
           </a:p>
@@ -1123,10 +1114,9 @@
           <a:lstStyle/>
           <a:p>
             <a:r>
-              <a:rPr lang="en-US" smtClean="0"/>
+              <a:rPr lang="en-US"/>
               <a:t>Click to edit Master title style</a:t>
             </a:r>
-            <a:endParaRPr lang="en-US"/>
           </a:p>
         </p:txBody>
       </p:sp>
@@ -1152,38 +1142,37 @@
           <a:p>
             <a:pPr lvl="0"/>
             <a:r>
-              <a:rPr lang="en-US" smtClean="0"/>
+              <a:rPr lang="en-US"/>
               <a:t>Edit Master text styles</a:t>
             </a:r>
           </a:p>
           <a:p>
             <a:pPr lvl="1"/>
             <a:r>
-              <a:rPr lang="en-US" smtClean="0"/>
+              <a:rPr lang="en-US"/>
               <a:t>Second level</a:t>
             </a:r>
           </a:p>
           <a:p>
             <a:pPr lvl="2"/>
             <a:r>
-              <a:rPr lang="en-US" smtClean="0"/>
+              <a:rPr lang="en-US"/>
               <a:t>Third level</a:t>
             </a:r>
           </a:p>
           <a:p>
             <a:pPr lvl="3"/>
             <a:r>
-              <a:rPr lang="en-US" smtClean="0"/>
+              <a:rPr lang="en-US"/>
               <a:t>Fourth level</a:t>
             </a:r>
           </a:p>
           <a:p>
             <a:pPr lvl="4"/>
             <a:r>
-              <a:rPr lang="en-US" smtClean="0"/>
+              <a:rPr lang="en-US"/>
               <a:t>Fifth level</a:t>
             </a:r>
-            <a:endParaRPr lang="en-US"/>
           </a:p>
         </p:txBody>
       </p:sp>
@@ -1209,38 +1198,37 @@
           <a:p>
             <a:pPr lvl="0"/>
             <a:r>
-              <a:rPr lang="en-US" smtClean="0"/>
+              <a:rPr lang="en-US"/>
               <a:t>Edit Master text styles</a:t>
             </a:r>
           </a:p>
           <a:p>
             <a:pPr lvl="1"/>
             <a:r>
-              <a:rPr lang="en-US" smtClean="0"/>
+              <a:rPr lang="en-US"/>
               <a:t>Second level</a:t>
             </a:r>
           </a:p>
           <a:p>
             <a:pPr lvl="2"/>
             <a:r>
-              <a:rPr lang="en-US" smtClean="0"/>
+              <a:rPr lang="en-US"/>
               <a:t>Third level</a:t>
             </a:r>
           </a:p>
           <a:p>
             <a:pPr lvl="3"/>
             <a:r>
-              <a:rPr lang="en-US" smtClean="0"/>
+              <a:rPr lang="en-US"/>
               <a:t>Fourth level</a:t>
             </a:r>
           </a:p>
           <a:p>
             <a:pPr lvl="4"/>
             <a:r>
-              <a:rPr lang="en-US" smtClean="0"/>
+              <a:rPr lang="en-US"/>
               <a:t>Fifth level</a:t>
             </a:r>
-            <a:endParaRPr lang="en-US"/>
           </a:p>
         </p:txBody>
       </p:sp>
@@ -1261,7 +1249,7 @@
           <a:p>
             <a:fld id="{EBB1EDE4-EBC1-44BD-AB94-72613FE76A8B}" type="datetimeFigureOut">
               <a:rPr lang="en-US" smtClean="0"/>
-              <a:t>3/6/2020</a:t>
+              <a:t>8/9/2021</a:t>
             </a:fld>
             <a:endParaRPr lang="en-US"/>
           </a:p>
@@ -1360,10 +1348,9 @@
           <a:lstStyle/>
           <a:p>
             <a:r>
-              <a:rPr lang="en-US" smtClean="0"/>
+              <a:rPr lang="en-US"/>
               <a:t>Click to edit Master title style</a:t>
             </a:r>
-            <a:endParaRPr lang="en-US"/>
           </a:p>
         </p:txBody>
       </p:sp>
@@ -1426,7 +1413,7 @@
           <a:p>
             <a:pPr lvl="0"/>
             <a:r>
-              <a:rPr lang="en-US" smtClean="0"/>
+              <a:rPr lang="en-US"/>
               <a:t>Edit Master text styles</a:t>
             </a:r>
           </a:p>
@@ -1454,38 +1441,37 @@
           <a:p>
             <a:pPr lvl="0"/>
             <a:r>
-              <a:rPr lang="en-US" smtClean="0"/>
+              <a:rPr lang="en-US"/>
               <a:t>Edit Master text styles</a:t>
             </a:r>
           </a:p>
           <a:p>
             <a:pPr lvl="1"/>
             <a:r>
-              <a:rPr lang="en-US" smtClean="0"/>
+              <a:rPr lang="en-US"/>
               <a:t>Second level</a:t>
             </a:r>
           </a:p>
           <a:p>
             <a:pPr lvl="2"/>
             <a:r>
-              <a:rPr lang="en-US" smtClean="0"/>
+              <a:rPr lang="en-US"/>
               <a:t>Third level</a:t>
             </a:r>
           </a:p>
           <a:p>
             <a:pPr lvl="3"/>
             <a:r>
-              <a:rPr lang="en-US" smtClean="0"/>
+              <a:rPr lang="en-US"/>
               <a:t>Fourth level</a:t>
             </a:r>
           </a:p>
           <a:p>
             <a:pPr lvl="4"/>
             <a:r>
-              <a:rPr lang="en-US" smtClean="0"/>
+              <a:rPr lang="en-US"/>
               <a:t>Fifth level</a:t>
             </a:r>
-            <a:endParaRPr lang="en-US"/>
           </a:p>
         </p:txBody>
       </p:sp>
@@ -1548,7 +1534,7 @@
           <a:p>
             <a:pPr lvl="0"/>
             <a:r>
-              <a:rPr lang="en-US" smtClean="0"/>
+              <a:rPr lang="en-US"/>
               <a:t>Edit Master text styles</a:t>
             </a:r>
           </a:p>
@@ -1576,38 +1562,37 @@
           <a:p>
             <a:pPr lvl="0"/>
             <a:r>
-              <a:rPr lang="en-US" smtClean="0"/>
+              <a:rPr lang="en-US"/>
               <a:t>Edit Master text styles</a:t>
             </a:r>
           </a:p>
           <a:p>
             <a:pPr lvl="1"/>
             <a:r>
-              <a:rPr lang="en-US" smtClean="0"/>
+              <a:rPr lang="en-US"/>
               <a:t>Second level</a:t>
             </a:r>
           </a:p>
           <a:p>
             <a:pPr lvl="2"/>
             <a:r>
-              <a:rPr lang="en-US" smtClean="0"/>
+              <a:rPr lang="en-US"/>
               <a:t>Third level</a:t>
             </a:r>
           </a:p>
           <a:p>
             <a:pPr lvl="3"/>
             <a:r>
-              <a:rPr lang="en-US" smtClean="0"/>
+              <a:rPr lang="en-US"/>
               <a:t>Fourth level</a:t>
             </a:r>
           </a:p>
           <a:p>
             <a:pPr lvl="4"/>
             <a:r>
-              <a:rPr lang="en-US" smtClean="0"/>
+              <a:rPr lang="en-US"/>
               <a:t>Fifth level</a:t>
             </a:r>
-            <a:endParaRPr lang="en-US"/>
           </a:p>
         </p:txBody>
       </p:sp>
@@ -1628,7 +1613,7 @@
           <a:p>
             <a:fld id="{EBB1EDE4-EBC1-44BD-AB94-72613FE76A8B}" type="datetimeFigureOut">
               <a:rPr lang="en-US" smtClean="0"/>
-              <a:t>3/6/2020</a:t>
+              <a:t>8/9/2021</a:t>
             </a:fld>
             <a:endParaRPr lang="en-US"/>
           </a:p>
@@ -1722,10 +1707,9 @@
           <a:lstStyle/>
           <a:p>
             <a:r>
-              <a:rPr lang="en-US" smtClean="0"/>
+              <a:rPr lang="en-US"/>
               <a:t>Click to edit Master title style</a:t>
             </a:r>
-            <a:endParaRPr lang="en-US"/>
           </a:p>
         </p:txBody>
       </p:sp>
@@ -1746,7 +1730,7 @@
           <a:p>
             <a:fld id="{EBB1EDE4-EBC1-44BD-AB94-72613FE76A8B}" type="datetimeFigureOut">
               <a:rPr lang="en-US" smtClean="0"/>
-              <a:t>3/6/2020</a:t>
+              <a:t>8/9/2021</a:t>
             </a:fld>
             <a:endParaRPr lang="en-US"/>
           </a:p>
@@ -1841,7 +1825,7 @@
           <a:p>
             <a:fld id="{EBB1EDE4-EBC1-44BD-AB94-72613FE76A8B}" type="datetimeFigureOut">
               <a:rPr lang="en-US" smtClean="0"/>
-              <a:t>3/6/2020</a:t>
+              <a:t>8/9/2021</a:t>
             </a:fld>
             <a:endParaRPr lang="en-US"/>
           </a:p>
@@ -1944,10 +1928,9 @@
           </a:lstStyle>
           <a:p>
             <a:r>
-              <a:rPr lang="en-US" smtClean="0"/>
+              <a:rPr lang="en-US"/>
               <a:t>Click to edit Master title style</a:t>
             </a:r>
-            <a:endParaRPr lang="en-US"/>
           </a:p>
         </p:txBody>
       </p:sp>
@@ -2001,38 +1984,37 @@
           <a:p>
             <a:pPr lvl="0"/>
             <a:r>
-              <a:rPr lang="en-US" smtClean="0"/>
+              <a:rPr lang="en-US"/>
               <a:t>Edit Master text styles</a:t>
             </a:r>
           </a:p>
           <a:p>
             <a:pPr lvl="1"/>
             <a:r>
-              <a:rPr lang="en-US" smtClean="0"/>
+              <a:rPr lang="en-US"/>
               <a:t>Second level</a:t>
             </a:r>
           </a:p>
           <a:p>
             <a:pPr lvl="2"/>
             <a:r>
-              <a:rPr lang="en-US" smtClean="0"/>
+              <a:rPr lang="en-US"/>
               <a:t>Third level</a:t>
             </a:r>
           </a:p>
           <a:p>
             <a:pPr lvl="3"/>
             <a:r>
-              <a:rPr lang="en-US" smtClean="0"/>
+              <a:rPr lang="en-US"/>
               <a:t>Fourth level</a:t>
             </a:r>
           </a:p>
           <a:p>
             <a:pPr lvl="4"/>
             <a:r>
-              <a:rPr lang="en-US" smtClean="0"/>
+              <a:rPr lang="en-US"/>
               <a:t>Fifth level</a:t>
             </a:r>
-            <a:endParaRPr lang="en-US"/>
           </a:p>
         </p:txBody>
       </p:sp>
@@ -2095,7 +2077,7 @@
           <a:p>
             <a:pPr lvl="0"/>
             <a:r>
-              <a:rPr lang="en-US" smtClean="0"/>
+              <a:rPr lang="en-US"/>
               <a:t>Edit Master text styles</a:t>
             </a:r>
           </a:p>
@@ -2118,7 +2100,7 @@
           <a:p>
             <a:fld id="{EBB1EDE4-EBC1-44BD-AB94-72613FE76A8B}" type="datetimeFigureOut">
               <a:rPr lang="en-US" smtClean="0"/>
-              <a:t>3/6/2020</a:t>
+              <a:t>8/9/2021</a:t>
             </a:fld>
             <a:endParaRPr lang="en-US"/>
           </a:p>
@@ -2221,10 +2203,9 @@
           </a:lstStyle>
           <a:p>
             <a:r>
-              <a:rPr lang="en-US" smtClean="0"/>
+              <a:rPr lang="en-US"/>
               <a:t>Click to edit Master title style</a:t>
             </a:r>
-            <a:endParaRPr lang="en-US"/>
           </a:p>
         </p:txBody>
       </p:sp>
@@ -2348,7 +2329,7 @@
           <a:p>
             <a:pPr lvl="0"/>
             <a:r>
-              <a:rPr lang="en-US" smtClean="0"/>
+              <a:rPr lang="en-US"/>
               <a:t>Edit Master text styles</a:t>
             </a:r>
           </a:p>
@@ -2371,7 +2352,7 @@
           <a:p>
             <a:fld id="{EBB1EDE4-EBC1-44BD-AB94-72613FE76A8B}" type="datetimeFigureOut">
               <a:rPr lang="en-US" smtClean="0"/>
-              <a:t>3/6/2020</a:t>
+              <a:t>8/9/2021</a:t>
             </a:fld>
             <a:endParaRPr lang="en-US"/>
           </a:p>
@@ -2490,10 +2471,9 @@
           <a:lstStyle/>
           <a:p>
             <a:r>
-              <a:rPr lang="en-US" smtClean="0"/>
+              <a:rPr lang="en-US"/>
               <a:t>Click to edit Master title style</a:t>
             </a:r>
-            <a:endParaRPr lang="en-US"/>
           </a:p>
         </p:txBody>
       </p:sp>
@@ -2524,38 +2504,37 @@
           <a:p>
             <a:pPr lvl="0"/>
             <a:r>
-              <a:rPr lang="en-US" smtClean="0"/>
+              <a:rPr lang="en-US"/>
               <a:t>Edit Master text styles</a:t>
             </a:r>
           </a:p>
           <a:p>
             <a:pPr lvl="1"/>
             <a:r>
-              <a:rPr lang="en-US" smtClean="0"/>
+              <a:rPr lang="en-US"/>
               <a:t>Second level</a:t>
             </a:r>
           </a:p>
           <a:p>
             <a:pPr lvl="2"/>
             <a:r>
-              <a:rPr lang="en-US" smtClean="0"/>
+              <a:rPr lang="en-US"/>
               <a:t>Third level</a:t>
             </a:r>
           </a:p>
           <a:p>
             <a:pPr lvl="3"/>
             <a:r>
-              <a:rPr lang="en-US" smtClean="0"/>
+              <a:rPr lang="en-US"/>
               <a:t>Fourth level</a:t>
             </a:r>
           </a:p>
           <a:p>
             <a:pPr lvl="4"/>
             <a:r>
-              <a:rPr lang="en-US" smtClean="0"/>
+              <a:rPr lang="en-US"/>
               <a:t>Fifth level</a:t>
             </a:r>
-            <a:endParaRPr lang="en-US"/>
           </a:p>
         </p:txBody>
       </p:sp>
@@ -2594,7 +2573,7 @@
           <a:p>
             <a:fld id="{EBB1EDE4-EBC1-44BD-AB94-72613FE76A8B}" type="datetimeFigureOut">
               <a:rPr lang="en-US" smtClean="0"/>
-              <a:t>3/6/2020</a:t>
+              <a:t>8/9/2021</a:t>
             </a:fld>
             <a:endParaRPr lang="en-US"/>
           </a:p>
@@ -3020,10 +2999,9 @@
           <a:lstStyle/>
           <a:p>
             <a:r>
-              <a:rPr lang="en-US" dirty="0" smtClean="0"/>
+              <a:rPr lang="en-US" dirty="0"/>
               <a:t>Automate Your Quality of Life With PowerShell</a:t>
             </a:r>
-            <a:endParaRPr lang="en-US" dirty="0"/>
           </a:p>
         </p:txBody>
       </p:sp>
@@ -3042,14 +3020,13 @@
           <a:bodyPr/>
           <a:lstStyle/>
           <a:p>
-            <a:endParaRPr lang="en-US" dirty="0" smtClean="0"/>
-          </a:p>
-          <a:p>
-            <a:r>
-              <a:rPr lang="en-US" dirty="0" smtClean="0"/>
+            <a:endParaRPr lang="en-US" dirty="0"/>
+          </a:p>
+          <a:p>
+            <a:r>
+              <a:rPr lang="en-US" dirty="0"/>
               <a:t>With a Focus on Active Directory, and some other tips</a:t>
             </a:r>
-            <a:endParaRPr lang="en-US" dirty="0"/>
           </a:p>
         </p:txBody>
       </p:sp>
@@ -3107,7 +3084,7 @@
           <a:p>
             <a:pPr algn="ctr"/>
             <a:r>
-              <a:rPr lang="en-US" sz="3600" dirty="0" smtClean="0"/>
+              <a:rPr lang="en-US" sz="3600" dirty="0"/>
               <a:t>My Personal Logging Scheme</a:t>
             </a:r>
           </a:p>
@@ -3117,7 +3094,7 @@
               <a:buChar char="•"/>
             </a:pPr>
             <a:r>
-              <a:rPr lang="en-US" sz="2400" dirty="0" smtClean="0"/>
+              <a:rPr lang="en-US" sz="2400" dirty="0"/>
               <a:t>There is no undo in PowerShell!!!</a:t>
             </a:r>
           </a:p>
@@ -3127,10 +3104,9 @@
               <a:buChar char="•"/>
             </a:pPr>
             <a:r>
-              <a:rPr lang="en-US" sz="2400" dirty="0" smtClean="0"/>
+              <a:rPr lang="en-US" sz="2400" dirty="0"/>
               <a:t>Transcription Logs can Establish what you (or somebody else) did in order fix it.</a:t>
             </a:r>
-            <a:endParaRPr lang="en-US" sz="2400" dirty="0"/>
           </a:p>
         </p:txBody>
       </p:sp>
@@ -3212,43 +3188,35 @@
           <a:p>
             <a:pPr algn="ctr"/>
             <a:r>
-              <a:rPr lang="en-US" sz="3600" dirty="0" smtClean="0"/>
+              <a:rPr lang="en-US" sz="3600" dirty="0"/>
               <a:t>Using the PowerShell Pipeline</a:t>
             </a:r>
           </a:p>
           <a:p>
             <a:r>
               <a:rPr lang="en-US" dirty="0"/>
-              <a:t>Pipelines act like a series of connected segments of pipe. Items moving along the pipeline pass through each segment. To create a pipeline in PowerShell, you connect commands together with the pipe operator "|". The output of each command is used as input to the next command</a:t>
-            </a:r>
-            <a:r>
-              <a:rPr lang="en-US" dirty="0" smtClean="0"/>
-              <a:t>.</a:t>
+              <a:t>Pipelines act like a series of connected segments of pipe. Items moving along the pipeline pass through each segment. To create a pipeline in PowerShell, you connect commands together with the pipe operator "|". The output of each command is used as input to the next command.</a:t>
             </a:r>
           </a:p>
           <a:p>
             <a:r>
               <a:rPr lang="en-US" dirty="0"/>
-              <a:t>	</a:t>
-            </a:r>
-            <a:r>
-              <a:rPr lang="en-US" dirty="0" smtClean="0"/>
-              <a:t>* </a:t>
-            </a:r>
-            <a:r>
-              <a:rPr lang="en-US" dirty="0" smtClean="0">
+              <a:t>	* </a:t>
+            </a:r>
+            <a:r>
+              <a:rPr lang="en-US" dirty="0">
                 <a:hlinkClick r:id="rId2"/>
               </a:rPr>
               <a:t>https://docs.microsoft.com/en-us/powershell/scripting/learn/understanding-the-powershell-pipeline?view=powershell-6</a:t>
             </a:r>
-            <a:endParaRPr lang="en-US" dirty="0" smtClean="0"/>
-          </a:p>
-          <a:p>
             <a:endParaRPr lang="en-US" dirty="0"/>
           </a:p>
           <a:p>
-            <a:r>
-              <a:rPr lang="en-US" dirty="0" smtClean="0"/>
+            <a:endParaRPr lang="en-US" dirty="0"/>
+          </a:p>
+          <a:p>
+            <a:r>
+              <a:rPr lang="en-US" dirty="0"/>
               <a:t>Feeding the output from one command into another command.  More on this Later.</a:t>
             </a:r>
           </a:p>
@@ -3257,7 +3225,7 @@
           </a:p>
           <a:p>
             <a:r>
-              <a:rPr lang="en-US" dirty="0" smtClean="0"/>
+              <a:rPr lang="en-US" dirty="0"/>
               <a:t>Ex: </a:t>
             </a:r>
           </a:p>
@@ -3267,7 +3235,7 @@
               <a:buChar char="•"/>
             </a:pPr>
             <a:r>
-              <a:rPr lang="en-US" dirty="0" smtClean="0">
+              <a:rPr lang="en-US" dirty="0">
                 <a:solidFill>
                   <a:srgbClr val="FFFF00"/>
                 </a:solidFill>
@@ -3275,7 +3243,7 @@
               <a:t>Get-</a:t>
             </a:r>
             <a:r>
-              <a:rPr lang="en-US" dirty="0" err="1" smtClean="0">
+              <a:rPr lang="en-US" dirty="0" err="1">
                 <a:solidFill>
                   <a:srgbClr val="FFFF00"/>
                 </a:solidFill>
@@ -3283,7 +3251,7 @@
               <a:t>ADUser</a:t>
             </a:r>
             <a:r>
-              <a:rPr lang="en-US" dirty="0" smtClean="0">
+              <a:rPr lang="en-US" dirty="0">
                 <a:solidFill>
                   <a:srgbClr val="FFFF00"/>
                 </a:solidFill>
@@ -3297,7 +3265,7 @@
               <a:buChar char="•"/>
             </a:pPr>
             <a:r>
-              <a:rPr lang="en-US" dirty="0" smtClean="0"/>
+              <a:rPr lang="en-US" dirty="0"/>
               <a:t>Lists Everything; All Users in AD</a:t>
             </a:r>
           </a:p>
@@ -3307,7 +3275,7 @@
               <a:buChar char="•"/>
             </a:pPr>
             <a:r>
-              <a:rPr lang="en-US" dirty="0" smtClean="0">
+              <a:rPr lang="en-US" dirty="0">
                 <a:solidFill>
                   <a:srgbClr val="FFFF00"/>
                 </a:solidFill>
@@ -3315,7 +3283,7 @@
               <a:t>Get-</a:t>
             </a:r>
             <a:r>
-              <a:rPr lang="en-US" dirty="0" err="1" smtClean="0">
+              <a:rPr lang="en-US" dirty="0" err="1">
                 <a:solidFill>
                   <a:srgbClr val="FFFF00"/>
                 </a:solidFill>
@@ -3323,36 +3291,12 @@
               <a:t>ADUser</a:t>
             </a:r>
             <a:r>
-              <a:rPr lang="en-US" dirty="0" smtClean="0">
-                <a:solidFill>
-                  <a:srgbClr val="FFFF00"/>
-                </a:solidFill>
-              </a:rPr>
-              <a:t> </a:t>
-            </a:r>
-            <a:r>
-              <a:rPr lang="en-US" dirty="0">
-                <a:solidFill>
-                  <a:srgbClr val="FFFF00"/>
-                </a:solidFill>
-              </a:rPr>
-              <a:t>-filter * | </a:t>
-            </a:r>
-            <a:r>
-              <a:rPr lang="en-US" dirty="0" smtClean="0">
-                <a:solidFill>
-                  <a:srgbClr val="FFFF00"/>
-                </a:solidFill>
-              </a:rPr>
-              <a:t>Select-Object </a:t>
-            </a:r>
-            <a:r>
-              <a:rPr lang="en-US" dirty="0">
-                <a:solidFill>
-                  <a:srgbClr val="FFFF00"/>
-                </a:solidFill>
-              </a:rPr>
-              <a:t>Name, </a:t>
+              <a:rPr lang="en-US" dirty="0">
+                <a:solidFill>
+                  <a:srgbClr val="FFFF00"/>
+                </a:solidFill>
+              </a:rPr>
+              <a:t> -filter * | Select-Object Name, </a:t>
             </a:r>
             <a:r>
               <a:rPr lang="en-US" dirty="0" err="1">
@@ -3370,11 +3314,6 @@
               </a:rPr>
               <a:t>, SID </a:t>
             </a:r>
-            <a:endParaRPr lang="en-US" dirty="0" smtClean="0">
-              <a:solidFill>
-                <a:srgbClr val="FFFF00"/>
-              </a:solidFill>
-            </a:endParaRPr>
           </a:p>
           <a:p>
             <a:pPr marL="742950" lvl="1" indent="-285750">
@@ -3382,7 +3321,7 @@
               <a:buChar char="•"/>
             </a:pPr>
             <a:r>
-              <a:rPr lang="en-US" dirty="0" smtClean="0"/>
+              <a:rPr lang="en-US" dirty="0"/>
               <a:t>Only Lists Name, UPN, &amp; SID</a:t>
             </a:r>
           </a:p>
@@ -3392,7 +3331,7 @@
               <a:buChar char="•"/>
             </a:pPr>
             <a:r>
-              <a:rPr lang="en-US" dirty="0" smtClean="0">
+              <a:rPr lang="en-US" dirty="0">
                 <a:solidFill>
                   <a:srgbClr val="FFFF00"/>
                 </a:solidFill>
@@ -3400,7 +3339,7 @@
               <a:t>Get-</a:t>
             </a:r>
             <a:r>
-              <a:rPr lang="en-US" dirty="0" err="1" smtClean="0">
+              <a:rPr lang="en-US" dirty="0" err="1">
                 <a:solidFill>
                   <a:srgbClr val="FFFF00"/>
                 </a:solidFill>
@@ -3408,20 +3347,12 @@
               <a:t>ADUser</a:t>
             </a:r>
             <a:r>
-              <a:rPr lang="en-US" dirty="0" smtClean="0">
-                <a:solidFill>
-                  <a:srgbClr val="FFFF00"/>
-                </a:solidFill>
-              </a:rPr>
-              <a:t> </a:t>
-            </a:r>
-            <a:r>
-              <a:rPr lang="en-US" dirty="0">
-                <a:solidFill>
-                  <a:srgbClr val="FFFF00"/>
-                </a:solidFill>
-              </a:rPr>
-              <a:t>-filter * | select Name, </a:t>
+              <a:rPr lang="en-US" dirty="0">
+                <a:solidFill>
+                  <a:srgbClr val="FFFF00"/>
+                </a:solidFill>
+              </a:rPr>
+              <a:t> -filter * | select Name, </a:t>
             </a:r>
             <a:r>
               <a:rPr lang="en-US" dirty="0" err="1">
@@ -3439,11 +3370,6 @@
               </a:rPr>
               <a:t>, SID | Sort-Object Name </a:t>
             </a:r>
-            <a:endParaRPr lang="en-US" dirty="0" smtClean="0">
-              <a:solidFill>
-                <a:srgbClr val="FFFF00"/>
-              </a:solidFill>
-            </a:endParaRPr>
           </a:p>
           <a:p>
             <a:pPr marL="742950" lvl="1" indent="-285750">
@@ -3451,7 +3377,7 @@
               <a:buChar char="•"/>
             </a:pPr>
             <a:r>
-              <a:rPr lang="en-US" dirty="0" smtClean="0"/>
+              <a:rPr lang="en-US" dirty="0"/>
               <a:t>Lists Name, UPM, SID; Sorted by Name</a:t>
             </a:r>
           </a:p>
@@ -3461,7 +3387,7 @@
               <a:buChar char="•"/>
             </a:pPr>
             <a:r>
-              <a:rPr lang="en-US" dirty="0" smtClean="0">
+              <a:rPr lang="en-US" dirty="0">
                 <a:solidFill>
                   <a:srgbClr val="FFFF00"/>
                 </a:solidFill>
@@ -3469,7 +3395,7 @@
               <a:t>Get-</a:t>
             </a:r>
             <a:r>
-              <a:rPr lang="en-US" dirty="0" err="1" smtClean="0">
+              <a:rPr lang="en-US" dirty="0" err="1">
                 <a:solidFill>
                   <a:srgbClr val="FFFF00"/>
                 </a:solidFill>
@@ -3477,20 +3403,12 @@
               <a:t>ADComputer</a:t>
             </a:r>
             <a:r>
-              <a:rPr lang="en-US" dirty="0" smtClean="0">
-                <a:solidFill>
-                  <a:srgbClr val="FFFF00"/>
-                </a:solidFill>
-              </a:rPr>
-              <a:t> </a:t>
-            </a:r>
-            <a:r>
-              <a:rPr lang="en-US" dirty="0">
-                <a:solidFill>
-                  <a:srgbClr val="FFFF00"/>
-                </a:solidFill>
-              </a:rPr>
-              <a:t>-filter * -</a:t>
+              <a:rPr lang="en-US" dirty="0">
+                <a:solidFill>
+                  <a:srgbClr val="FFFF00"/>
+                </a:solidFill>
+              </a:rPr>
+              <a:t> -filter * -</a:t>
             </a:r>
             <a:r>
               <a:rPr lang="en-US" dirty="0" err="1">
@@ -3506,18 +3424,10 @@
                   <a:srgbClr val="FFFF00"/>
                 </a:solidFill>
               </a:rPr>
-              <a:t> "</a:t>
-            </a:r>
-            <a:r>
-              <a:rPr lang="en-US" dirty="0" smtClean="0">
-                <a:solidFill>
-                  <a:srgbClr val="FFFF00"/>
-                </a:solidFill>
-              </a:rPr>
-              <a:t>OU=</a:t>
-            </a:r>
-            <a:r>
-              <a:rPr lang="en-US" dirty="0" err="1" smtClean="0">
+              <a:t> "OU=</a:t>
+            </a:r>
+            <a:r>
+              <a:rPr lang="en-US" dirty="0" err="1">
                 <a:solidFill>
                   <a:srgbClr val="FFFF00"/>
                 </a:solidFill>
@@ -3525,7 +3435,7 @@
               <a:t>computers,DC</a:t>
             </a:r>
             <a:r>
-              <a:rPr lang="en-US" dirty="0" smtClean="0">
+              <a:rPr lang="en-US" dirty="0">
                 <a:solidFill>
                   <a:srgbClr val="FFFF00"/>
                 </a:solidFill>
@@ -3533,7 +3443,7 @@
               <a:t>=</a:t>
             </a:r>
             <a:r>
-              <a:rPr lang="en-US" dirty="0" err="1" smtClean="0">
+              <a:rPr lang="en-US" dirty="0" err="1">
                 <a:solidFill>
                   <a:srgbClr val="FFFF00"/>
                 </a:solidFill>
@@ -3541,62 +3451,22 @@
               <a:t>contoso,DC</a:t>
             </a:r>
             <a:r>
-              <a:rPr lang="en-US" dirty="0" smtClean="0">
-                <a:solidFill>
-                  <a:srgbClr val="FFFF00"/>
-                </a:solidFill>
-              </a:rPr>
-              <a:t>=com" </a:t>
-            </a:r>
-            <a:r>
-              <a:rPr lang="en-US" dirty="0">
-                <a:solidFill>
-                  <a:srgbClr val="FFFF00"/>
-                </a:solidFill>
-              </a:rPr>
-              <a:t>-server </a:t>
-            </a:r>
-            <a:r>
-              <a:rPr lang="en-US" dirty="0" smtClean="0">
-                <a:solidFill>
-                  <a:srgbClr val="FFFF00"/>
-                </a:solidFill>
-              </a:rPr>
-              <a:t>contoso.com </a:t>
-            </a:r>
-            <a:r>
-              <a:rPr lang="en-US" dirty="0">
-                <a:solidFill>
-                  <a:srgbClr val="FFFF00"/>
-                </a:solidFill>
-              </a:rPr>
-              <a:t>-properties comment | </a:t>
-            </a:r>
-          </a:p>
-          <a:p>
-            <a:r>
-              <a:rPr lang="en-US" dirty="0">
-                <a:solidFill>
-                  <a:srgbClr val="FFFF00"/>
-                </a:solidFill>
-              </a:rPr>
-              <a:t>    </a:t>
-            </a:r>
-            <a:r>
-              <a:rPr lang="en-US" dirty="0" smtClean="0">
-                <a:solidFill>
-                  <a:srgbClr val="FFFF00"/>
-                </a:solidFill>
-              </a:rPr>
-              <a:t>	where </a:t>
-            </a:r>
-            <a:r>
-              <a:rPr lang="en-US" dirty="0">
-                <a:solidFill>
-                  <a:srgbClr val="FFFF00"/>
-                </a:solidFill>
-              </a:rPr>
-              <a:t>{ $_.comment -ne "</a:t>
+              <a:rPr lang="en-US" dirty="0">
+                <a:solidFill>
+                  <a:srgbClr val="FFFF00"/>
+                </a:solidFill>
+              </a:rPr>
+              <a:t>=com" -server contoso.com -properties comment | </a:t>
+            </a:r>
+          </a:p>
+          <a:p>
+            <a:r>
+              <a:rPr lang="en-US" dirty="0">
+                <a:solidFill>
+                  <a:srgbClr val="FFFF00"/>
+                </a:solidFill>
+              </a:rPr>
+              <a:t>    	where { $_.comment -ne "</a:t>
             </a:r>
             <a:r>
               <a:rPr lang="en-US" dirty="0" err="1">
@@ -3622,49 +3492,17 @@
                   <a:srgbClr val="FFFF00"/>
                 </a:solidFill>
               </a:rPr>
-              <a:t>    </a:t>
-            </a:r>
-            <a:r>
-              <a:rPr lang="en-US" dirty="0" smtClean="0">
-                <a:solidFill>
-                  <a:srgbClr val="FFFF00"/>
-                </a:solidFill>
-              </a:rPr>
-              <a:t>	Select-Object </a:t>
-            </a:r>
-            <a:r>
-              <a:rPr lang="en-US" dirty="0">
-                <a:solidFill>
-                  <a:srgbClr val="FFFF00"/>
-                </a:solidFill>
-              </a:rPr>
-              <a:t>name | </a:t>
-            </a:r>
-          </a:p>
-          <a:p>
-            <a:r>
-              <a:rPr lang="en-US" dirty="0">
-                <a:solidFill>
-                  <a:srgbClr val="FFFF00"/>
-                </a:solidFill>
-              </a:rPr>
-              <a:t>    </a:t>
-            </a:r>
-            <a:r>
-              <a:rPr lang="en-US" dirty="0" smtClean="0">
-                <a:solidFill>
-                  <a:srgbClr val="FFFF00"/>
-                </a:solidFill>
-              </a:rPr>
-              <a:t>	Sort-Object </a:t>
-            </a:r>
-            <a:r>
-              <a:rPr lang="en-US" dirty="0">
-                <a:solidFill>
-                  <a:srgbClr val="FFFF00"/>
-                </a:solidFill>
-              </a:rPr>
-              <a:t>Name </a:t>
+              <a:t>    	Select-Object name | </a:t>
+            </a:r>
+          </a:p>
+          <a:p>
+            <a:r>
+              <a:rPr lang="en-US" dirty="0">
+                <a:solidFill>
+                  <a:srgbClr val="FFFF00"/>
+                </a:solidFill>
+              </a:rPr>
+              <a:t>    	Sort-Object Name </a:t>
             </a:r>
           </a:p>
           <a:p>
@@ -3730,45 +3568,33 @@
           <a:p>
             <a:pPr algn="ctr"/>
             <a:r>
-              <a:rPr lang="en-US" sz="3600" dirty="0" smtClean="0"/>
+              <a:rPr lang="en-US" sz="3600" dirty="0"/>
               <a:t>PowerShell Functions</a:t>
             </a:r>
-            <a:endParaRPr lang="en-US" sz="2400" dirty="0" smtClean="0"/>
-          </a:p>
-          <a:p>
-            <a:r>
-              <a:rPr lang="en-US" dirty="0" smtClean="0"/>
-              <a:t>…</a:t>
-            </a:r>
+            <a:endParaRPr lang="en-US" sz="2400" dirty="0"/>
+          </a:p>
+          <a:p>
             <a:r>
               <a:rPr lang="en-US" dirty="0"/>
-              <a:t> a way of collecting up a bunch of code to perform one or many different times by just pointing to it instead of duplicating that code repeatedly</a:t>
-            </a:r>
-            <a:r>
-              <a:rPr lang="en-US" dirty="0" smtClean="0"/>
-              <a:t>.</a:t>
+              <a:t>… a way of collecting up a bunch of code to perform one or many different times by just pointing to it instead of duplicating that code repeatedly.</a:t>
             </a:r>
           </a:p>
           <a:p>
             <a:r>
               <a:rPr lang="en-US" dirty="0"/>
-              <a:t>	</a:t>
-            </a:r>
-            <a:r>
-              <a:rPr lang="en-US" dirty="0" smtClean="0"/>
-              <a:t>* </a:t>
-            </a:r>
-            <a:r>
-              <a:rPr lang="en-US" dirty="0" smtClean="0">
+              <a:t>	* </a:t>
+            </a:r>
+            <a:r>
+              <a:rPr lang="en-US" dirty="0">
                 <a:hlinkClick r:id="rId2"/>
               </a:rPr>
               <a:t>https://www.business.com/articles/functions-in-powershell/</a:t>
             </a:r>
-            <a:endParaRPr lang="en-US" dirty="0" smtClean="0"/>
-          </a:p>
-          <a:p>
-            <a:r>
-              <a:rPr lang="en-US" dirty="0" smtClean="0"/>
+            <a:endParaRPr lang="en-US" dirty="0"/>
+          </a:p>
+          <a:p>
+            <a:r>
+              <a:rPr lang="en-US" dirty="0"/>
               <a:t>AKA – A Way to Improve Your Quality Of Life and save you from mundane repeatable tasks.</a:t>
             </a:r>
           </a:p>
@@ -3852,96 +3678,88 @@
           <a:p>
             <a:pPr algn="ctr"/>
             <a:r>
-              <a:rPr lang="en-US" sz="3600" dirty="0" smtClean="0"/>
+              <a:rPr lang="en-US" sz="3600" dirty="0"/>
               <a:t>PowerShell Aliases</a:t>
             </a:r>
-            <a:endParaRPr lang="en-US" sz="2400" dirty="0" smtClean="0"/>
-          </a:p>
-          <a:p>
-            <a:r>
-              <a:rPr lang="en-US" dirty="0" smtClean="0"/>
-              <a:t>A</a:t>
-            </a:r>
+            <a:endParaRPr lang="en-US" sz="2400" dirty="0"/>
+          </a:p>
+          <a:p>
             <a:r>
               <a:rPr lang="en-US" dirty="0"/>
-              <a:t> PowerShell alias is a shortcut to a command that can save you some keystrokes and help you remember commands</a:t>
-            </a:r>
-            <a:r>
-              <a:rPr lang="en-US" dirty="0" smtClean="0"/>
-              <a:t>.</a:t>
-            </a:r>
-          </a:p>
-          <a:p>
-            <a:r>
-              <a:rPr lang="en-US" dirty="0" smtClean="0"/>
+              <a:t>A PowerShell alias is a shortcut to a command that can save you some keystrokes and help you remember commands.</a:t>
+            </a:r>
+          </a:p>
+          <a:p>
+            <a:r>
+              <a:rPr lang="en-US" dirty="0"/>
               <a:t>	* </a:t>
             </a:r>
             <a:r>
-              <a:rPr lang="en-US" dirty="0" smtClean="0">
+              <a:rPr lang="en-US" dirty="0">
                 <a:hlinkClick r:id="rId2"/>
               </a:rPr>
               <a:t>https://4sysops.com/archives/how-to-create-a-powershell-alias/</a:t>
             </a:r>
-            <a:endParaRPr lang="en-US" dirty="0" smtClean="0"/>
-          </a:p>
-          <a:p>
-            <a:r>
-              <a:rPr lang="en-US" dirty="0" err="1" smtClean="0"/>
+            <a:endParaRPr lang="en-US" dirty="0"/>
+          </a:p>
+          <a:p>
+            <a:r>
+              <a:rPr lang="en-US" dirty="0" err="1"/>
               <a:t>dir</a:t>
             </a:r>
             <a:r>
-              <a:rPr lang="en-US" dirty="0" smtClean="0"/>
+              <a:rPr lang="en-US" dirty="0"/>
               <a:t> = Get-</a:t>
             </a:r>
             <a:r>
-              <a:rPr lang="en-US" dirty="0" err="1" smtClean="0"/>
+              <a:rPr lang="en-US" dirty="0" err="1"/>
               <a:t>ChildItem</a:t>
             </a:r>
-            <a:endParaRPr lang="en-US" dirty="0" smtClean="0"/>
-          </a:p>
-          <a:p>
-            <a:r>
-              <a:rPr lang="en-US" dirty="0" smtClean="0"/>
+            <a:endParaRPr lang="en-US" dirty="0"/>
+          </a:p>
+          <a:p>
+            <a:r>
+              <a:rPr lang="en-US" dirty="0"/>
               <a:t>ipconfig = Get-</a:t>
             </a:r>
             <a:r>
-              <a:rPr lang="en-US" dirty="0" err="1" smtClean="0"/>
+              <a:rPr lang="en-US" dirty="0" err="1"/>
               <a:t>NetIPConfiguration</a:t>
             </a:r>
-            <a:endParaRPr lang="en-US" dirty="0" smtClean="0"/>
-          </a:p>
-          <a:p>
-            <a:r>
-              <a:rPr lang="en-US" dirty="0" smtClean="0"/>
+            <a:endParaRPr lang="en-US" dirty="0"/>
+          </a:p>
+          <a:p>
+            <a:r>
+              <a:rPr lang="en-US" dirty="0"/>
               <a:t>ping = Test-</a:t>
             </a:r>
             <a:r>
-              <a:rPr lang="en-US" dirty="0" err="1" smtClean="0"/>
+              <a:rPr lang="en-US" dirty="0" err="1"/>
               <a:t>NetConnection</a:t>
             </a:r>
-            <a:endParaRPr lang="en-US" dirty="0" smtClean="0"/>
-          </a:p>
-          <a:p>
-            <a:r>
-              <a:rPr lang="en-US" dirty="0" err="1" smtClean="0"/>
+            <a:endParaRPr lang="en-US" dirty="0"/>
+          </a:p>
+          <a:p>
+            <a:r>
+              <a:rPr lang="en-US" dirty="0" err="1"/>
               <a:t>nslookup</a:t>
             </a:r>
             <a:r>
-              <a:rPr lang="en-US" dirty="0" smtClean="0"/>
+              <a:rPr lang="en-US" dirty="0"/>
               <a:t> = Resolve-</a:t>
             </a:r>
             <a:r>
-              <a:rPr lang="en-US" dirty="0" err="1" smtClean="0"/>
+              <a:rPr lang="en-US" dirty="0" err="1"/>
               <a:t>DnsName</a:t>
             </a:r>
-            <a:endParaRPr lang="en-US" dirty="0" smtClean="0"/>
-          </a:p>
-          <a:p>
             <a:endParaRPr lang="en-US" dirty="0"/>
           </a:p>
           <a:p>
-            <a:r>
-              <a:rPr lang="en-US" dirty="0" smtClean="0"/>
+            <a:endParaRPr lang="en-US" dirty="0"/>
+          </a:p>
+          <a:p>
+            <a:r>
+              <a:rPr lang="en-US" dirty="0"/>
               <a:t>You can create your own Aliases to suit your needs and load them with your PowerShell Profile.</a:t>
             </a:r>
           </a:p>
@@ -3951,7 +3769,7 @@
               <a:buChar char="•"/>
             </a:pPr>
             <a:r>
-              <a:rPr lang="en-US" dirty="0" smtClean="0">
+              <a:rPr lang="en-US" dirty="0">
                 <a:solidFill>
                   <a:srgbClr val="FFFF00"/>
                 </a:solidFill>
@@ -3959,7 +3777,7 @@
               <a:t>set-alias </a:t>
             </a:r>
             <a:r>
-              <a:rPr lang="en-US" dirty="0" err="1" smtClean="0">
+              <a:rPr lang="en-US" dirty="0" err="1">
                 <a:solidFill>
                   <a:srgbClr val="FFFF00"/>
                 </a:solidFill>
@@ -3967,7 +3785,7 @@
               <a:t>ifconfig</a:t>
             </a:r>
             <a:r>
-              <a:rPr lang="en-US" dirty="0" smtClean="0">
+              <a:rPr lang="en-US" dirty="0">
                 <a:solidFill>
                   <a:srgbClr val="FFFF00"/>
                 </a:solidFill>
@@ -3981,7 +3799,7 @@
               <a:buChar char="•"/>
             </a:pPr>
             <a:r>
-              <a:rPr lang="en-US" dirty="0" smtClean="0">
+              <a:rPr lang="en-US" dirty="0">
                 <a:solidFill>
                   <a:srgbClr val="00B050"/>
                 </a:solidFill>
@@ -3989,7 +3807,7 @@
               <a:t># Type "edit &lt;</a:t>
             </a:r>
             <a:r>
-              <a:rPr lang="en-US" dirty="0" err="1" smtClean="0">
+              <a:rPr lang="en-US" dirty="0" err="1">
                 <a:solidFill>
                   <a:srgbClr val="00B050"/>
                 </a:solidFill>
@@ -3997,7 +3815,7 @@
               <a:t>filename.ext</a:t>
             </a:r>
             <a:r>
-              <a:rPr lang="en-US" dirty="0" smtClean="0">
+              <a:rPr lang="en-US" dirty="0">
                 <a:solidFill>
                   <a:srgbClr val="00B050"/>
                 </a:solidFill>
@@ -4011,7 +3829,7 @@
               <a:buChar char="•"/>
             </a:pPr>
             <a:r>
-              <a:rPr lang="en-US" dirty="0" smtClean="0">
+              <a:rPr lang="en-US" dirty="0">
                 <a:solidFill>
                   <a:srgbClr val="FFFF00"/>
                 </a:solidFill>
@@ -4025,7 +3843,7 @@
               <a:buChar char="•"/>
             </a:pPr>
             <a:r>
-              <a:rPr lang="en-US" dirty="0" smtClean="0">
+              <a:rPr lang="en-US" dirty="0">
                 <a:solidFill>
                   <a:srgbClr val="00B050"/>
                 </a:solidFill>
@@ -4039,7 +3857,7 @@
               <a:buChar char="•"/>
             </a:pPr>
             <a:r>
-              <a:rPr lang="en-US" dirty="0" smtClean="0">
+              <a:rPr lang="en-US" dirty="0">
                 <a:solidFill>
                   <a:srgbClr val="FFFF00"/>
                 </a:solidFill>
@@ -4052,7 +3870,7 @@
               <a:buFont typeface="Arial" panose="020B0604020202020204" pitchFamily="34" charset="0"/>
               <a:buChar char="•"/>
             </a:pPr>
-            <a:endParaRPr lang="en-US" dirty="0" smtClean="0"/>
+            <a:endParaRPr lang="en-US" dirty="0"/>
           </a:p>
         </p:txBody>
       </p:sp>
@@ -4110,14 +3928,14 @@
           <a:p>
             <a:pPr algn="ctr"/>
             <a:r>
-              <a:rPr lang="en-US" sz="3600" dirty="0" smtClean="0"/>
+              <a:rPr lang="en-US" sz="3600" dirty="0"/>
               <a:t>PowerShell Session Variables</a:t>
             </a:r>
           </a:p>
           <a:p>
             <a:pPr lvl="1"/>
             <a:r>
-              <a:rPr lang="en-US" dirty="0" smtClean="0"/>
+              <a:rPr lang="en-US" dirty="0"/>
               <a:t>You can create and store variables for the life of your session.  This may be a commonly used value that you use across multiple scripts.</a:t>
             </a:r>
           </a:p>
@@ -4127,7 +3945,7 @@
               <a:buChar char="•"/>
             </a:pPr>
             <a:r>
-              <a:rPr lang="en-US" dirty="0" smtClean="0">
+              <a:rPr lang="en-US" dirty="0">
                 <a:solidFill>
                   <a:srgbClr val="FFFF00"/>
                 </a:solidFill>
@@ -4135,7 +3953,7 @@
               <a:t>$</a:t>
             </a:r>
             <a:r>
-              <a:rPr lang="en-US" dirty="0" err="1" smtClean="0">
+              <a:rPr lang="en-US" dirty="0" err="1">
                 <a:solidFill>
                   <a:srgbClr val="FFFF00"/>
                 </a:solidFill>
@@ -4143,7 +3961,7 @@
               <a:t>ver</a:t>
             </a:r>
             <a:r>
-              <a:rPr lang="en-US" dirty="0" smtClean="0">
+              <a:rPr lang="en-US" dirty="0">
                 <a:solidFill>
                   <a:srgbClr val="FFFF00"/>
                 </a:solidFill>
@@ -4151,14 +3969,14 @@
               <a:t> = $</a:t>
             </a:r>
             <a:r>
-              <a:rPr lang="en-US" dirty="0" err="1" smtClean="0">
+              <a:rPr lang="en-US" dirty="0" err="1">
                 <a:solidFill>
                   <a:srgbClr val="FFFF00"/>
                 </a:solidFill>
               </a:rPr>
               <a:t>psversiontable.PSVersion</a:t>
             </a:r>
-            <a:endParaRPr lang="en-US" dirty="0" smtClean="0">
+            <a:endParaRPr lang="en-US" dirty="0">
               <a:solidFill>
                 <a:srgbClr val="FFFF00"/>
               </a:solidFill>
@@ -4170,7 +3988,7 @@
               <a:buChar char="•"/>
             </a:pPr>
             <a:r>
-              <a:rPr lang="en-US" dirty="0" smtClean="0">
+              <a:rPr lang="en-US" dirty="0">
                 <a:solidFill>
                   <a:srgbClr val="00B050"/>
                 </a:solidFill>
@@ -4184,7 +4002,7 @@
               <a:buChar char="•"/>
             </a:pPr>
             <a:r>
-              <a:rPr lang="en-US" dirty="0" smtClean="0">
+              <a:rPr lang="en-US" dirty="0">
                 <a:solidFill>
                   <a:srgbClr val="FFFF00"/>
                 </a:solidFill>
@@ -4192,7 +4010,7 @@
               <a:t>$</a:t>
             </a:r>
             <a:r>
-              <a:rPr lang="en-US" dirty="0" err="1" smtClean="0">
+              <a:rPr lang="en-US" dirty="0" err="1">
                 <a:solidFill>
                   <a:srgbClr val="FFFF00"/>
                 </a:solidFill>
@@ -4200,7 +4018,7 @@
               <a:t>scriptsotput</a:t>
             </a:r>
             <a:r>
-              <a:rPr lang="en-US" dirty="0" smtClean="0">
+              <a:rPr lang="en-US" dirty="0">
                 <a:solidFill>
                   <a:srgbClr val="FFFF00"/>
                 </a:solidFill>
@@ -4214,7 +4032,7 @@
               <a:buChar char="•"/>
             </a:pPr>
             <a:r>
-              <a:rPr lang="en-US" dirty="0" smtClean="0">
+              <a:rPr lang="en-US" dirty="0">
                 <a:solidFill>
                   <a:srgbClr val="FFFF00"/>
                 </a:solidFill>
@@ -4222,7 +4040,7 @@
               <a:t>$</a:t>
             </a:r>
             <a:r>
-              <a:rPr lang="en-US" dirty="0" err="1" smtClean="0">
+              <a:rPr lang="en-US" dirty="0" err="1">
                 <a:solidFill>
                   <a:srgbClr val="FFFF00"/>
                 </a:solidFill>
@@ -4230,7 +4048,7 @@
               <a:t>DesktopWorkingPath</a:t>
             </a:r>
             <a:r>
-              <a:rPr lang="en-US" dirty="0" smtClean="0">
+              <a:rPr lang="en-US" dirty="0">
                 <a:solidFill>
                   <a:srgbClr val="FFFF00"/>
                 </a:solidFill>
@@ -4238,7 +4056,7 @@
               <a:t> = “$</a:t>
             </a:r>
             <a:r>
-              <a:rPr lang="en-US" dirty="0" err="1" smtClean="0">
+              <a:rPr lang="en-US" dirty="0" err="1">
                 <a:solidFill>
                   <a:srgbClr val="FFFF00"/>
                 </a:solidFill>
@@ -4246,7 +4064,7 @@
               <a:t>desktopPath</a:t>
             </a:r>
             <a:r>
-              <a:rPr lang="en-US" dirty="0" smtClean="0">
+              <a:rPr lang="en-US" dirty="0">
                 <a:solidFill>
                   <a:srgbClr val="FFFF00"/>
                 </a:solidFill>
@@ -4260,7 +4078,7 @@
               <a:buChar char="•"/>
             </a:pPr>
             <a:r>
-              <a:rPr lang="en-US" dirty="0" smtClean="0">
+              <a:rPr lang="en-US" dirty="0">
                 <a:solidFill>
                   <a:srgbClr val="00B050"/>
                 </a:solidFill>
@@ -4268,7 +4086,7 @@
               <a:t>Returns \Users\</a:t>
             </a:r>
             <a:r>
-              <a:rPr lang="en-US" dirty="0" err="1" smtClean="0">
+              <a:rPr lang="en-US" dirty="0" err="1">
                 <a:solidFill>
                   <a:srgbClr val="00B050"/>
                 </a:solidFill>
@@ -4276,7 +4094,7 @@
               <a:t>JimBob</a:t>
             </a:r>
             <a:r>
-              <a:rPr lang="en-US" dirty="0" smtClean="0">
+              <a:rPr lang="en-US" dirty="0">
                 <a:solidFill>
                   <a:srgbClr val="00B050"/>
                 </a:solidFill>
@@ -4361,11 +4179,6 @@
               </a:rPr>
               <a:t>]::Desktop) </a:t>
             </a:r>
-            <a:endParaRPr lang="en-US" dirty="0" smtClean="0">
-              <a:solidFill>
-                <a:srgbClr val="FFFF00"/>
-              </a:solidFill>
-            </a:endParaRPr>
           </a:p>
           <a:p>
             <a:pPr marL="1200150" lvl="2" indent="-285750">
@@ -4373,7 +4186,7 @@
               <a:buChar char="•"/>
             </a:pPr>
             <a:r>
-              <a:rPr lang="en-US" dirty="0" smtClean="0">
+              <a:rPr lang="en-US" dirty="0">
                 <a:solidFill>
                   <a:srgbClr val="00B050"/>
                 </a:solidFill>
@@ -4381,7 +4194,7 @@
               <a:t>Returns \Users\</a:t>
             </a:r>
             <a:r>
-              <a:rPr lang="en-US" dirty="0" err="1" smtClean="0">
+              <a:rPr lang="en-US" dirty="0" err="1">
                 <a:solidFill>
                   <a:srgbClr val="00B050"/>
                 </a:solidFill>
@@ -4389,7 +4202,7 @@
               <a:t>JimBob</a:t>
             </a:r>
             <a:r>
-              <a:rPr lang="en-US" dirty="0" smtClean="0">
+              <a:rPr lang="en-US" dirty="0">
                 <a:solidFill>
                   <a:srgbClr val="00B050"/>
                 </a:solidFill>
@@ -4403,7 +4216,7 @@
               <a:buChar char="•"/>
             </a:pPr>
             <a:r>
-              <a:rPr lang="en-US" dirty="0" smtClean="0">
+              <a:rPr lang="en-US" dirty="0">
                 <a:solidFill>
                   <a:srgbClr val="FFFF00"/>
                 </a:solidFill>
@@ -4411,7 +4224,7 @@
               <a:t>$</a:t>
             </a:r>
             <a:r>
-              <a:rPr lang="en-US" dirty="0" err="1" smtClean="0">
+              <a:rPr lang="en-US" dirty="0" err="1">
                 <a:solidFill>
                   <a:srgbClr val="FFFF00"/>
                 </a:solidFill>
@@ -4419,7 +4232,7 @@
               <a:t>PowerShellPath</a:t>
             </a:r>
             <a:r>
-              <a:rPr lang="en-US" dirty="0" smtClean="0">
+              <a:rPr lang="en-US" dirty="0">
                 <a:solidFill>
                   <a:srgbClr val="FFFF00"/>
                 </a:solidFill>
@@ -4432,7 +4245,7 @@
               <a:buFont typeface="Arial" panose="020B0604020202020204" pitchFamily="34" charset="0"/>
               <a:buChar char="•"/>
             </a:pPr>
-            <a:endParaRPr lang="en-US" dirty="0" smtClean="0"/>
+            <a:endParaRPr lang="en-US" dirty="0"/>
           </a:p>
         </p:txBody>
       </p:sp>
@@ -4490,13 +4303,13 @@
           <a:p>
             <a:pPr algn="ctr"/>
             <a:r>
-              <a:rPr lang="en-US" sz="3600" dirty="0" smtClean="0"/>
+              <a:rPr lang="en-US" sz="3600" dirty="0"/>
               <a:t>PowerShell Optimization</a:t>
             </a:r>
           </a:p>
           <a:p>
             <a:r>
-              <a:rPr lang="en-US" dirty="0" smtClean="0"/>
+              <a:rPr lang="en-US" dirty="0"/>
               <a:t>There are multiple ways to get the same information, with some being faster than others.</a:t>
             </a:r>
           </a:p>
@@ -4543,23 +4356,7 @@
                   <a:srgbClr val="FFFF00"/>
                 </a:solidFill>
               </a:rPr>
-              <a:t> -ne </a:t>
-            </a:r>
-            <a:r>
-              <a:rPr lang="en-US" dirty="0" smtClean="0">
-                <a:solidFill>
-                  <a:srgbClr val="FFFF00"/>
-                </a:solidFill>
-              </a:rPr>
-              <a:t>“$Null</a:t>
-            </a:r>
-            <a:r>
-              <a:rPr lang="en-US" dirty="0">
-                <a:solidFill>
-                  <a:srgbClr val="FFFF00"/>
-                </a:solidFill>
-              </a:rPr>
-              <a:t>"} -Properties  </a:t>
+              <a:t> -ne “$Null"} -Properties  </a:t>
             </a:r>
             <a:r>
               <a:rPr lang="en-US" dirty="0" err="1">
@@ -4656,23 +4453,7 @@
                   <a:srgbClr val="FFFF00"/>
                 </a:solidFill>
               </a:rPr>
-              <a:t> -ne </a:t>
-            </a:r>
-            <a:r>
-              <a:rPr lang="en-US" dirty="0" smtClean="0">
-                <a:solidFill>
-                  <a:srgbClr val="FFFF00"/>
-                </a:solidFill>
-              </a:rPr>
-              <a:t>“$Null</a:t>
-            </a:r>
-            <a:r>
-              <a:rPr lang="en-US" dirty="0">
-                <a:solidFill>
-                  <a:srgbClr val="FFFF00"/>
-                </a:solidFill>
-              </a:rPr>
-              <a:t>"} -Properties  </a:t>
+              <a:t> -ne “$Null"} -Properties  </a:t>
             </a:r>
             <a:r>
               <a:rPr lang="en-US" dirty="0" err="1">
@@ -4992,11 +4773,6 @@
               </a:rPr>
               <a:t>  -auto </a:t>
             </a:r>
-            <a:endParaRPr lang="en-US" dirty="0" smtClean="0">
-              <a:solidFill>
-                <a:srgbClr val="FFFF00"/>
-              </a:solidFill>
-            </a:endParaRPr>
           </a:p>
           <a:p>
             <a:pPr lvl="1"/>
@@ -5004,7 +4780,7 @@
           </a:p>
           <a:p>
             <a:pPr lvl="1"/>
-            <a:endParaRPr lang="en-US" dirty="0" smtClean="0"/>
+            <a:endParaRPr lang="en-US" dirty="0"/>
           </a:p>
         </p:txBody>
       </p:sp>
@@ -5062,13 +4838,13 @@
           <a:p>
             <a:pPr algn="ctr"/>
             <a:r>
-              <a:rPr lang="en-US" sz="3600" dirty="0" smtClean="0"/>
+              <a:rPr lang="en-US" sz="3600" dirty="0"/>
               <a:t>PowerShell Optimization</a:t>
             </a:r>
           </a:p>
           <a:p>
             <a:r>
-              <a:rPr lang="en-US" dirty="0" smtClean="0"/>
+              <a:rPr lang="en-US" dirty="0"/>
               <a:t>There are multiple ways to get the same information, with some being faster than others.</a:t>
             </a:r>
           </a:p>
@@ -5082,7 +4858,7 @@
               <a:buChar char="•"/>
             </a:pPr>
             <a:r>
-              <a:rPr lang="en-US" dirty="0" smtClean="0"/>
+              <a:rPr lang="en-US" dirty="0"/>
               <a:t>Method 1</a:t>
             </a:r>
           </a:p>
@@ -5092,7 +4868,7 @@
               <a:buChar char="•"/>
             </a:pPr>
             <a:r>
-              <a:rPr lang="en-US" dirty="0" smtClean="0"/>
+              <a:rPr lang="en-US" dirty="0"/>
               <a:t>11.8 Seconds *</a:t>
             </a:r>
           </a:p>
@@ -5102,7 +4878,7 @@
               <a:buChar char="•"/>
             </a:pPr>
             <a:r>
-              <a:rPr lang="en-US" dirty="0" smtClean="0"/>
+              <a:rPr lang="en-US" dirty="0"/>
               <a:t>Method 2</a:t>
             </a:r>
           </a:p>
@@ -5112,7 +4888,7 @@
               <a:buChar char="•"/>
             </a:pPr>
             <a:r>
-              <a:rPr lang="en-US" dirty="0" smtClean="0"/>
+              <a:rPr lang="en-US" dirty="0"/>
               <a:t>0.57 Seconds *</a:t>
             </a:r>
           </a:p>
@@ -5122,7 +4898,7 @@
               <a:buChar char="•"/>
             </a:pPr>
             <a:r>
-              <a:rPr lang="en-US" dirty="0" smtClean="0"/>
+              <a:rPr lang="en-US" dirty="0"/>
               <a:t>Method 3</a:t>
             </a:r>
           </a:p>
@@ -5132,7 +4908,7 @@
               <a:buChar char="•"/>
             </a:pPr>
             <a:r>
-              <a:rPr lang="en-US" dirty="0" smtClean="0"/>
+              <a:rPr lang="en-US" dirty="0"/>
               <a:t>11.25 Seconds *</a:t>
             </a:r>
           </a:p>
@@ -5142,7 +4918,7 @@
               <a:buChar char="•"/>
             </a:pPr>
             <a:r>
-              <a:rPr lang="en-US" dirty="0" smtClean="0"/>
+              <a:rPr lang="en-US" dirty="0"/>
               <a:t>Method 4</a:t>
             </a:r>
           </a:p>
@@ -5152,7 +4928,7 @@
               <a:buChar char="•"/>
             </a:pPr>
             <a:r>
-              <a:rPr lang="en-US" dirty="0" smtClean="0"/>
+              <a:rPr lang="en-US" dirty="0"/>
               <a:t>0.98 Seconds * </a:t>
             </a:r>
           </a:p>
@@ -5168,19 +4944,18 @@
               <a:buFont typeface="Arial" panose="020B0604020202020204" pitchFamily="34" charset="0"/>
               <a:buChar char="•"/>
             </a:pPr>
-            <a:endParaRPr lang="en-US" dirty="0" smtClean="0"/>
+            <a:endParaRPr lang="en-US" dirty="0"/>
           </a:p>
           <a:p>
             <a:pPr lvl="1"/>
             <a:r>
-              <a:rPr lang="en-US" dirty="0" smtClean="0"/>
+              <a:rPr lang="en-US" dirty="0"/>
               <a:t>* There are many variables that can change the speed that a script takes.  These include resources on the DC, resources on the local PC, and network bandwidth.  These numbers are also based on an Active Directory Domain with ~ 500 Active Directory User Accounts.</a:t>
             </a:r>
+          </a:p>
+          <a:p>
+            <a:pPr lvl="1"/>
             <a:endParaRPr lang="en-US" dirty="0"/>
-          </a:p>
-          <a:p>
-            <a:pPr lvl="1"/>
-            <a:endParaRPr lang="en-US" dirty="0" smtClean="0"/>
           </a:p>
         </p:txBody>
       </p:sp>
@@ -5238,24 +5013,24 @@
           <a:p>
             <a:pPr algn="ctr"/>
             <a:r>
-              <a:rPr lang="en-US" sz="3600" dirty="0" smtClean="0"/>
+              <a:rPr lang="en-US" sz="3600" dirty="0"/>
               <a:t>PowerShell Optimization</a:t>
             </a:r>
           </a:p>
           <a:p>
             <a:r>
-              <a:rPr lang="en-US" dirty="0" smtClean="0"/>
+              <a:rPr lang="en-US" dirty="0"/>
               <a:t>There are multiple ways to get the same information, with some being faster than others.</a:t>
             </a:r>
           </a:p>
           <a:p>
             <a:r>
-              <a:rPr lang="en-US" dirty="0" smtClean="0"/>
+              <a:rPr lang="en-US" dirty="0"/>
               <a:t>Because Active Directory is just a database you can shape your query to filter unnecessary data as quickly as possible to speed up subsequent commands.</a:t>
             </a:r>
           </a:p>
           <a:p>
-            <a:endParaRPr lang="en-US" dirty="0" smtClean="0"/>
+            <a:endParaRPr lang="en-US" dirty="0"/>
           </a:p>
           <a:p>
             <a:pPr marL="285750" indent="-285750">
@@ -5263,7 +5038,7 @@
               <a:buChar char="•"/>
             </a:pPr>
             <a:r>
-              <a:rPr lang="en-US" dirty="0" smtClean="0"/>
+              <a:rPr lang="en-US" dirty="0"/>
               <a:t>-Filter reduces the amount of data you are requesting</a:t>
             </a:r>
           </a:p>
@@ -5273,7 +5048,7 @@
               <a:buChar char="•"/>
             </a:pPr>
             <a:r>
-              <a:rPr lang="en-US" dirty="0" smtClean="0"/>
+              <a:rPr lang="en-US" dirty="0"/>
               <a:t>-Filter * is a wild card to pull everything</a:t>
             </a:r>
           </a:p>
@@ -5283,7 +5058,7 @@
               <a:buChar char="•"/>
             </a:pPr>
             <a:r>
-              <a:rPr lang="en-US" dirty="0" smtClean="0"/>
+              <a:rPr lang="en-US" dirty="0"/>
               <a:t>- Properties only requests the extend properties you need, and not the full subset</a:t>
             </a:r>
           </a:p>
@@ -5293,7 +5068,7 @@
               <a:buChar char="•"/>
             </a:pPr>
             <a:r>
-              <a:rPr lang="en-US" dirty="0" smtClean="0"/>
+              <a:rPr lang="en-US" dirty="0"/>
               <a:t>-Properties * is a wild card to pull all extended properties</a:t>
             </a:r>
           </a:p>
@@ -5303,14 +5078,14 @@
               <a:buChar char="•"/>
             </a:pPr>
             <a:r>
-              <a:rPr lang="en-US" dirty="0" smtClean="0"/>
+              <a:rPr lang="en-US" dirty="0"/>
               <a:t>By Default PowerShell only pulls about 10 user properties for Get-</a:t>
             </a:r>
             <a:r>
-              <a:rPr lang="en-US" dirty="0" err="1" smtClean="0"/>
+              <a:rPr lang="en-US" dirty="0" err="1"/>
               <a:t>ADUser</a:t>
             </a:r>
-            <a:endParaRPr lang="en-US" dirty="0" smtClean="0"/>
+            <a:endParaRPr lang="en-US" dirty="0"/>
           </a:p>
           <a:p>
             <a:pPr marL="285750" indent="-285750">
@@ -5318,7 +5093,7 @@
               <a:buChar char="•"/>
             </a:pPr>
             <a:r>
-              <a:rPr lang="en-US" dirty="0" smtClean="0"/>
+              <a:rPr lang="en-US" dirty="0"/>
               <a:t>Select-Object selects the objects you actually want and discards the rest.</a:t>
             </a:r>
           </a:p>
@@ -5328,7 +5103,7 @@
               <a:buChar char="•"/>
             </a:pPr>
             <a:r>
-              <a:rPr lang="en-US" dirty="0" smtClean="0"/>
+              <a:rPr lang="en-US" dirty="0"/>
               <a:t>-Filter performs the filter on the server side, Where-Object performs the filter on the client side</a:t>
             </a:r>
           </a:p>
@@ -5338,10 +5113,9 @@
               <a:buChar char="•"/>
             </a:pPr>
             <a:r>
-              <a:rPr lang="en-US" dirty="0" smtClean="0"/>
+              <a:rPr lang="en-US" dirty="0"/>
               <a:t> There are NO magic bullets to optimize your queries, you will need to explore what works best for your environment.</a:t>
             </a:r>
-            <a:endParaRPr lang="en-US" dirty="0"/>
           </a:p>
         </p:txBody>
       </p:sp>
@@ -5399,19 +5173,19 @@
           <a:p>
             <a:pPr algn="ctr"/>
             <a:r>
-              <a:rPr lang="en-US" sz="3600" dirty="0" smtClean="0"/>
+              <a:rPr lang="en-US" sz="3600" dirty="0"/>
               <a:t>PowerShell Optimization</a:t>
             </a:r>
           </a:p>
           <a:p>
             <a:r>
-              <a:rPr lang="en-US" dirty="0" smtClean="0"/>
+              <a:rPr lang="en-US" dirty="0"/>
               <a:t>But where did you get your numbers?</a:t>
             </a:r>
           </a:p>
           <a:p>
             <a:r>
-              <a:rPr lang="en-US" dirty="0" smtClean="0"/>
+              <a:rPr lang="en-US" dirty="0"/>
               <a:t>PowerShell has a measure command that will tell you the time your action took.  Wrap your action in curly brackets and add “measure-command” before the leading curly bracket.  This will give you elapsed time information in formats that are not really necessary for our need.</a:t>
             </a:r>
           </a:p>
@@ -5420,15 +5194,15 @@
           </a:p>
           <a:p>
             <a:r>
-              <a:rPr lang="en-US" dirty="0" smtClean="0"/>
+              <a:rPr lang="en-US" dirty="0"/>
               <a:t>You can cut down that information by wrapping the whole command in parentheses, and adding “.</a:t>
             </a:r>
             <a:r>
-              <a:rPr lang="en-US" dirty="0" err="1" smtClean="0"/>
+              <a:rPr lang="en-US" dirty="0" err="1"/>
               <a:t>totalseconds</a:t>
             </a:r>
             <a:r>
-              <a:rPr lang="en-US" dirty="0" smtClean="0"/>
+              <a:rPr lang="en-US" dirty="0"/>
               <a:t>”, or the time measurement of your choice to the end of the command.</a:t>
             </a:r>
           </a:p>
@@ -5437,7 +5211,7 @@
           </a:p>
           <a:p>
             <a:r>
-              <a:rPr lang="en-US" dirty="0" smtClean="0">
+              <a:rPr lang="en-US" dirty="0">
                 <a:solidFill>
                   <a:srgbClr val="FFFF00"/>
                 </a:solidFill>
@@ -5445,7 +5219,7 @@
               <a:t>(measure-command {Get-</a:t>
             </a:r>
             <a:r>
-              <a:rPr lang="en-US" dirty="0" err="1" smtClean="0">
+              <a:rPr lang="en-US" dirty="0" err="1">
                 <a:solidFill>
                   <a:srgbClr val="FFFF00"/>
                 </a:solidFill>
@@ -5453,7 +5227,7 @@
               <a:t>ADUser</a:t>
             </a:r>
             <a:r>
-              <a:rPr lang="en-US" dirty="0" smtClean="0">
+              <a:rPr lang="en-US" dirty="0">
                 <a:solidFill>
                   <a:srgbClr val="FFFF00"/>
                 </a:solidFill>
@@ -5461,7 +5235,7 @@
               <a:t> -Filter {</a:t>
             </a:r>
             <a:r>
-              <a:rPr lang="en-US" dirty="0" err="1" smtClean="0">
+              <a:rPr lang="en-US" dirty="0" err="1">
                 <a:solidFill>
                   <a:srgbClr val="FFFF00"/>
                 </a:solidFill>
@@ -5469,7 +5243,7 @@
               <a:t>UserPrincipalName</a:t>
             </a:r>
             <a:r>
-              <a:rPr lang="en-US" dirty="0" smtClean="0">
+              <a:rPr lang="en-US" dirty="0">
                 <a:solidFill>
                   <a:srgbClr val="FFFF00"/>
                 </a:solidFill>
@@ -5477,7 +5251,7 @@
               <a:t> -ne "$Null"} -Properties  </a:t>
             </a:r>
             <a:r>
-              <a:rPr lang="en-US" dirty="0" err="1" smtClean="0">
+              <a:rPr lang="en-US" dirty="0" err="1">
                 <a:solidFill>
                   <a:srgbClr val="FFFF00"/>
                 </a:solidFill>
@@ -5485,7 +5259,7 @@
               <a:t>UserPrincipalName</a:t>
             </a:r>
             <a:r>
-              <a:rPr lang="en-US" dirty="0" smtClean="0">
+              <a:rPr lang="en-US" dirty="0">
                 <a:solidFill>
                   <a:srgbClr val="FFFF00"/>
                 </a:solidFill>
@@ -5495,7 +5269,7 @@
           </a:p>
           <a:p>
             <a:r>
-              <a:rPr lang="en-US" dirty="0" smtClean="0">
+              <a:rPr lang="en-US" dirty="0">
                 <a:solidFill>
                   <a:srgbClr val="FFFF00"/>
                 </a:solidFill>
@@ -5503,7 +5277,7 @@
               <a:t>    Select-Object Name, SAMAccountName, </a:t>
             </a:r>
             <a:r>
-              <a:rPr lang="en-US" dirty="0" err="1" smtClean="0">
+              <a:rPr lang="en-US" dirty="0" err="1">
                 <a:solidFill>
                   <a:srgbClr val="FFFF00"/>
                 </a:solidFill>
@@ -5511,7 +5285,7 @@
               <a:t>UserPrincipalName</a:t>
             </a:r>
             <a:r>
-              <a:rPr lang="en-US" dirty="0" smtClean="0">
+              <a:rPr lang="en-US" dirty="0">
                 <a:solidFill>
                   <a:srgbClr val="FFFF00"/>
                 </a:solidFill>
@@ -5521,7 +5295,7 @@
           </a:p>
           <a:p>
             <a:r>
-              <a:rPr lang="en-US" dirty="0" smtClean="0">
+              <a:rPr lang="en-US" dirty="0">
                 <a:solidFill>
                   <a:srgbClr val="FFFF00"/>
                 </a:solidFill>
@@ -5531,7 +5305,7 @@
           </a:p>
           <a:p>
             <a:r>
-              <a:rPr lang="en-US" dirty="0" smtClean="0">
+              <a:rPr lang="en-US" dirty="0">
                 <a:solidFill>
                   <a:srgbClr val="FFFF00"/>
                 </a:solidFill>
@@ -5539,7 +5313,7 @@
               <a:t>    Format-Table Name, SAMAccountName, </a:t>
             </a:r>
             <a:r>
-              <a:rPr lang="en-US" dirty="0" err="1" smtClean="0">
+              <a:rPr lang="en-US" dirty="0" err="1">
                 <a:solidFill>
                   <a:srgbClr val="FFFF00"/>
                 </a:solidFill>
@@ -5547,7 +5321,7 @@
               <a:t>UserPrincipalName</a:t>
             </a:r>
             <a:r>
-              <a:rPr lang="en-US" dirty="0" smtClean="0">
+              <a:rPr lang="en-US" dirty="0">
                 <a:solidFill>
                   <a:srgbClr val="FFFF00"/>
                 </a:solidFill>
@@ -5555,7 +5329,7 @@
               <a:t> -auto}).</a:t>
             </a:r>
             <a:r>
-              <a:rPr lang="en-US" dirty="0" err="1" smtClean="0">
+              <a:rPr lang="en-US" dirty="0" err="1">
                 <a:solidFill>
                   <a:srgbClr val="FFFF00"/>
                 </a:solidFill>
@@ -5563,7 +5337,7 @@
               <a:t>totalseconds</a:t>
             </a:r>
             <a:r>
-              <a:rPr lang="en-US" dirty="0" smtClean="0">
+              <a:rPr lang="en-US" dirty="0">
                 <a:solidFill>
                   <a:srgbClr val="FFFF00"/>
                 </a:solidFill>
@@ -5571,7 +5345,7 @@
               <a:t> </a:t>
             </a:r>
             <a:r>
-              <a:rPr lang="en-US" dirty="0" smtClean="0"/>
+              <a:rPr lang="en-US" dirty="0"/>
               <a:t>*</a:t>
             </a:r>
           </a:p>
@@ -5580,7 +5354,7 @@
           </a:p>
           <a:p>
             <a:r>
-              <a:rPr lang="en-US" dirty="0" smtClean="0"/>
+              <a:rPr lang="en-US" dirty="0"/>
               <a:t>	* Elapsed Time will vary based on many variables, and should not be used as a hard and fast timing of your script.  	You can run the measure-command process multiple times and generate an average for a baseline.</a:t>
             </a:r>
           </a:p>
@@ -5643,528 +5417,8 @@
           <a:p>
             <a:pPr algn="ctr"/>
             <a:r>
-              <a:rPr lang="en-US" sz="3600" dirty="0" smtClean="0"/>
+              <a:rPr lang="en-US" sz="3600" dirty="0"/>
               <a:t>PowerShell Bonus Facts:</a:t>
-            </a:r>
-          </a:p>
-          <a:p>
-            <a:pPr lvl="1"/>
-            <a:endParaRPr lang="en-US" dirty="0" smtClean="0"/>
-          </a:p>
-          <a:p>
-            <a:pPr marL="742950" lvl="1" indent="-285750">
-              <a:buFont typeface="Arial" panose="020B0604020202020204" pitchFamily="34" charset="0"/>
-              <a:buChar char="•"/>
-            </a:pPr>
-            <a:r>
-              <a:rPr lang="en-US" dirty="0" smtClean="0"/>
-              <a:t>Get a list of AD users who’s city attribute is “Boston” and then </a:t>
-            </a:r>
-            <a:r>
-              <a:rPr lang="en-US" dirty="0" err="1" smtClean="0"/>
-              <a:t>piplining</a:t>
-            </a:r>
-            <a:r>
-              <a:rPr lang="en-US" dirty="0" smtClean="0"/>
-              <a:t> that list into a command to reset the user’s password.</a:t>
-            </a:r>
-            <a:endParaRPr lang="en-US" dirty="0"/>
-          </a:p>
-          <a:p>
-            <a:pPr marL="1200150" lvl="2" indent="-285750">
-              <a:buFont typeface="Arial" panose="020B0604020202020204" pitchFamily="34" charset="0"/>
-              <a:buChar char="•"/>
-            </a:pPr>
-            <a:r>
-              <a:rPr lang="en-US" dirty="0" smtClean="0">
-                <a:solidFill>
-                  <a:srgbClr val="FFFF00"/>
-                </a:solidFill>
-              </a:rPr>
-              <a:t>get-</a:t>
-            </a:r>
-            <a:r>
-              <a:rPr lang="en-US" dirty="0" err="1" smtClean="0">
-                <a:solidFill>
-                  <a:srgbClr val="FFFF00"/>
-                </a:solidFill>
-              </a:rPr>
-              <a:t>aduser</a:t>
-            </a:r>
-            <a:r>
-              <a:rPr lang="en-US" dirty="0" smtClean="0">
-                <a:solidFill>
-                  <a:srgbClr val="FFFF00"/>
-                </a:solidFill>
-              </a:rPr>
-              <a:t> </a:t>
-            </a:r>
-            <a:r>
-              <a:rPr lang="en-US" dirty="0">
-                <a:solidFill>
-                  <a:srgbClr val="FFFF00"/>
-                </a:solidFill>
-              </a:rPr>
-              <a:t>-filter {city -</a:t>
-            </a:r>
-            <a:r>
-              <a:rPr lang="en-US" dirty="0" err="1">
-                <a:solidFill>
-                  <a:srgbClr val="FFFF00"/>
-                </a:solidFill>
-              </a:rPr>
-              <a:t>eq</a:t>
-            </a:r>
-            <a:r>
-              <a:rPr lang="en-US" dirty="0">
-                <a:solidFill>
-                  <a:srgbClr val="FFFF00"/>
-                </a:solidFill>
-              </a:rPr>
-              <a:t> 'Boston'} | Set-</a:t>
-            </a:r>
-            <a:r>
-              <a:rPr lang="en-US" dirty="0" err="1">
-                <a:solidFill>
-                  <a:srgbClr val="FFFF00"/>
-                </a:solidFill>
-              </a:rPr>
-              <a:t>ADAccountPassword</a:t>
-            </a:r>
-            <a:r>
-              <a:rPr lang="en-US" dirty="0">
-                <a:solidFill>
-                  <a:srgbClr val="FFFF00"/>
-                </a:solidFill>
-              </a:rPr>
-              <a:t> -</a:t>
-            </a:r>
-            <a:r>
-              <a:rPr lang="en-US" dirty="0" err="1">
-                <a:solidFill>
-                  <a:srgbClr val="FFFF00"/>
-                </a:solidFill>
-              </a:rPr>
-              <a:t>NewPassword</a:t>
-            </a:r>
-            <a:r>
-              <a:rPr lang="en-US" dirty="0">
-                <a:solidFill>
-                  <a:srgbClr val="FFFF00"/>
-                </a:solidFill>
-              </a:rPr>
-              <a:t> (</a:t>
-            </a:r>
-            <a:r>
-              <a:rPr lang="en-US" dirty="0" err="1">
-                <a:solidFill>
-                  <a:srgbClr val="FFFF00"/>
-                </a:solidFill>
-              </a:rPr>
-              <a:t>ConvertTo-SecureString</a:t>
-            </a:r>
-            <a:r>
-              <a:rPr lang="en-US" dirty="0">
-                <a:solidFill>
-                  <a:srgbClr val="FFFF00"/>
-                </a:solidFill>
-              </a:rPr>
-              <a:t> -String </a:t>
-            </a:r>
-            <a:r>
-              <a:rPr lang="en-US" dirty="0" smtClean="0">
-                <a:solidFill>
-                  <a:srgbClr val="FFFF00"/>
-                </a:solidFill>
-              </a:rPr>
-              <a:t>“Pass#1234" </a:t>
-            </a:r>
-            <a:r>
-              <a:rPr lang="en-US" dirty="0">
-                <a:solidFill>
-                  <a:srgbClr val="FFFF00"/>
-                </a:solidFill>
-              </a:rPr>
-              <a:t>-</a:t>
-            </a:r>
-            <a:r>
-              <a:rPr lang="en-US" dirty="0" err="1">
-                <a:solidFill>
-                  <a:srgbClr val="FFFF00"/>
-                </a:solidFill>
-              </a:rPr>
-              <a:t>AsPlainText</a:t>
-            </a:r>
-            <a:r>
-              <a:rPr lang="en-US" dirty="0">
-                <a:solidFill>
-                  <a:srgbClr val="FFFF00"/>
-                </a:solidFill>
-              </a:rPr>
-              <a:t> -Force) -Reset </a:t>
-            </a:r>
-            <a:endParaRPr lang="en-US" dirty="0" smtClean="0">
-              <a:solidFill>
-                <a:srgbClr val="FFFF00"/>
-              </a:solidFill>
-            </a:endParaRPr>
-          </a:p>
-          <a:p>
-            <a:pPr marL="742950" lvl="1" indent="-285750">
-              <a:buFont typeface="Arial" panose="020B0604020202020204" pitchFamily="34" charset="0"/>
-              <a:buChar char="•"/>
-            </a:pPr>
-            <a:r>
-              <a:rPr lang="en-US" dirty="0" smtClean="0"/>
-              <a:t>You can repeat a task a specific number of times.  QA Called &amp; needs 500 generic AD users to do performance testing.</a:t>
-            </a:r>
-          </a:p>
-          <a:p>
-            <a:pPr marL="1200150" lvl="2" indent="-285750">
-              <a:buFont typeface="Arial" panose="020B0604020202020204" pitchFamily="34" charset="0"/>
-              <a:buChar char="•"/>
-            </a:pPr>
-            <a:r>
-              <a:rPr lang="en-US" dirty="0">
-                <a:solidFill>
-                  <a:srgbClr val="FFFF00"/>
-                </a:solidFill>
-              </a:rPr>
-              <a:t> 1..500 | </a:t>
-            </a:r>
-            <a:r>
-              <a:rPr lang="en-US" dirty="0" err="1">
-                <a:solidFill>
-                  <a:srgbClr val="FFFF00"/>
-                </a:solidFill>
-              </a:rPr>
-              <a:t>ForEach</a:t>
-            </a:r>
-            <a:r>
-              <a:rPr lang="en-US" dirty="0">
-                <a:solidFill>
-                  <a:srgbClr val="FFFF00"/>
-                </a:solidFill>
-              </a:rPr>
-              <a:t>-Object {new-</a:t>
-            </a:r>
-            <a:r>
-              <a:rPr lang="en-US" dirty="0" err="1">
-                <a:solidFill>
-                  <a:srgbClr val="FFFF00"/>
-                </a:solidFill>
-              </a:rPr>
-              <a:t>aduser</a:t>
-            </a:r>
-            <a:r>
-              <a:rPr lang="en-US" dirty="0">
-                <a:solidFill>
-                  <a:srgbClr val="FFFF00"/>
-                </a:solidFill>
-              </a:rPr>
-              <a:t> -name "</a:t>
-            </a:r>
-            <a:r>
-              <a:rPr lang="en-US" dirty="0" err="1">
-                <a:solidFill>
-                  <a:srgbClr val="FFFF00"/>
-                </a:solidFill>
-              </a:rPr>
-              <a:t>Minion$PSItem</a:t>
-            </a:r>
-            <a:r>
-              <a:rPr lang="en-US" dirty="0">
-                <a:solidFill>
-                  <a:srgbClr val="FFFF00"/>
-                </a:solidFill>
-              </a:rPr>
-              <a:t>" -</a:t>
-            </a:r>
-            <a:r>
-              <a:rPr lang="en-US" dirty="0" err="1">
-                <a:solidFill>
-                  <a:srgbClr val="FFFF00"/>
-                </a:solidFill>
-              </a:rPr>
-              <a:t>AccountPassword</a:t>
-            </a:r>
-            <a:r>
-              <a:rPr lang="en-US" dirty="0">
-                <a:solidFill>
-                  <a:srgbClr val="FFFF00"/>
-                </a:solidFill>
-              </a:rPr>
-              <a:t> (</a:t>
-            </a:r>
-            <a:r>
-              <a:rPr lang="en-US" dirty="0" err="1">
-                <a:solidFill>
-                  <a:srgbClr val="FFFF00"/>
-                </a:solidFill>
-              </a:rPr>
-              <a:t>ConvertTo-SecureString</a:t>
-            </a:r>
-            <a:r>
-              <a:rPr lang="en-US" dirty="0">
-                <a:solidFill>
-                  <a:srgbClr val="FFFF00"/>
-                </a:solidFill>
-              </a:rPr>
-              <a:t> -</a:t>
-            </a:r>
-            <a:r>
-              <a:rPr lang="en-US" dirty="0" err="1">
-                <a:solidFill>
-                  <a:srgbClr val="FFFF00"/>
-                </a:solidFill>
-              </a:rPr>
-              <a:t>AsPlainText</a:t>
-            </a:r>
-            <a:r>
-              <a:rPr lang="en-US" dirty="0">
-                <a:solidFill>
-                  <a:srgbClr val="FFFF00"/>
-                </a:solidFill>
-              </a:rPr>
-              <a:t> "Welcome#$</a:t>
-            </a:r>
-            <a:r>
-              <a:rPr lang="en-US" dirty="0" err="1">
-                <a:solidFill>
-                  <a:srgbClr val="FFFF00"/>
-                </a:solidFill>
-              </a:rPr>
-              <a:t>PSItem</a:t>
-            </a:r>
-            <a:r>
-              <a:rPr lang="en-US" dirty="0">
-                <a:solidFill>
-                  <a:srgbClr val="FFFF00"/>
-                </a:solidFill>
-              </a:rPr>
-              <a:t>!" -force) -</a:t>
-            </a:r>
-            <a:r>
-              <a:rPr lang="en-US" dirty="0" err="1">
-                <a:solidFill>
-                  <a:srgbClr val="FFFF00"/>
-                </a:solidFill>
-              </a:rPr>
-              <a:t>Enabled:True</a:t>
-            </a:r>
-            <a:r>
-              <a:rPr lang="en-US" dirty="0">
-                <a:solidFill>
-                  <a:srgbClr val="FFFF00"/>
-                </a:solidFill>
-              </a:rPr>
-              <a:t>} </a:t>
-            </a:r>
-            <a:endParaRPr lang="en-US" dirty="0" smtClean="0">
-              <a:solidFill>
-                <a:srgbClr val="FFFF00"/>
-              </a:solidFill>
-            </a:endParaRPr>
-          </a:p>
-          <a:p>
-            <a:pPr marL="1657350" lvl="3" indent="-285750">
-              <a:buFont typeface="Arial" panose="020B0604020202020204" pitchFamily="34" charset="0"/>
-              <a:buChar char="•"/>
-            </a:pPr>
-            <a:r>
-              <a:rPr lang="en-US" i="1" dirty="0" smtClean="0"/>
-              <a:t>This can be to create accounts for a new branch office, or a big hiring push.  You can leave the password part off and the accounts will be created as disabled with no password</a:t>
-            </a:r>
-            <a:r>
-              <a:rPr lang="en-US" i="1" dirty="0" smtClean="0"/>
-              <a:t>.</a:t>
-            </a:r>
-          </a:p>
-          <a:p>
-            <a:pPr marL="742950" lvl="1" indent="-285750">
-              <a:buFont typeface="Arial" panose="020B0604020202020204" pitchFamily="34" charset="0"/>
-              <a:buChar char="•"/>
-            </a:pPr>
-            <a:r>
-              <a:rPr lang="en-US" dirty="0">
-                <a:solidFill>
-                  <a:srgbClr val="FFFF00"/>
-                </a:solidFill>
-              </a:rPr>
-              <a:t> </a:t>
-            </a:r>
-            <a:r>
-              <a:rPr lang="en-US" dirty="0">
-                <a:solidFill>
-                  <a:srgbClr val="FFFF00"/>
-                </a:solidFill>
-              </a:rPr>
-              <a:t>get-service </a:t>
-            </a:r>
-            <a:r>
-              <a:rPr lang="en-US" i="1" dirty="0" smtClean="0">
-                <a:solidFill>
-                  <a:srgbClr val="FFFF00"/>
-                </a:solidFill>
-              </a:rPr>
-              <a:t>&lt;Service&gt;</a:t>
-            </a:r>
-            <a:r>
-              <a:rPr lang="en-US" dirty="0" smtClean="0">
-                <a:solidFill>
-                  <a:srgbClr val="FFFF00"/>
-                </a:solidFill>
-              </a:rPr>
-              <a:t> </a:t>
-            </a:r>
-            <a:r>
-              <a:rPr lang="en-US" dirty="0">
-                <a:solidFill>
-                  <a:srgbClr val="FFFF00"/>
-                </a:solidFill>
-              </a:rPr>
-              <a:t>-</a:t>
-            </a:r>
-            <a:r>
-              <a:rPr lang="en-US" dirty="0" err="1">
-                <a:solidFill>
-                  <a:srgbClr val="FFFF00"/>
-                </a:solidFill>
-              </a:rPr>
-              <a:t>ComputerName</a:t>
-            </a:r>
-            <a:r>
-              <a:rPr lang="en-US" dirty="0">
-                <a:solidFill>
-                  <a:srgbClr val="FFFF00"/>
-                </a:solidFill>
-              </a:rPr>
-              <a:t> </a:t>
-            </a:r>
-            <a:r>
-              <a:rPr lang="en-US" dirty="0" smtClean="0">
-                <a:solidFill>
-                  <a:srgbClr val="FFFF00"/>
-                </a:solidFill>
-              </a:rPr>
-              <a:t>s-ads-prd-dc1.contoso.com</a:t>
-            </a:r>
-            <a:endParaRPr lang="en-US" dirty="0">
-              <a:solidFill>
-                <a:srgbClr val="FFFF00"/>
-              </a:solidFill>
-            </a:endParaRPr>
-          </a:p>
-          <a:p>
-            <a:pPr marL="1200150" lvl="2" indent="-285750">
-              <a:buFont typeface="Arial" panose="020B0604020202020204" pitchFamily="34" charset="0"/>
-              <a:buChar char="•"/>
-            </a:pPr>
-            <a:r>
-              <a:rPr lang="en-US" dirty="0" smtClean="0"/>
-              <a:t>Remotely Check a Service on a Remote Computer</a:t>
-            </a:r>
-          </a:p>
-          <a:p>
-            <a:pPr marL="742950" lvl="1" indent="-285750">
-              <a:buFont typeface="Arial" panose="020B0604020202020204" pitchFamily="34" charset="0"/>
-              <a:buChar char="•"/>
-            </a:pPr>
-            <a:r>
-              <a:rPr lang="en-US" dirty="0" smtClean="0"/>
-              <a:t>You </a:t>
-            </a:r>
-            <a:r>
-              <a:rPr lang="en-US" dirty="0" smtClean="0"/>
-              <a:t>can load other non Microsoft modules into PowerShell and use your favorite interpreter.</a:t>
-            </a:r>
-          </a:p>
-          <a:p>
-            <a:pPr marL="1200150" lvl="2" indent="-285750">
-              <a:buFont typeface="Arial" panose="020B0604020202020204" pitchFamily="34" charset="0"/>
-              <a:buChar char="•"/>
-            </a:pPr>
-            <a:r>
-              <a:rPr lang="en-US" dirty="0" smtClean="0"/>
-              <a:t>&amp;"C:\Program Files (x86)\VMware\Infrastructure\PowerCLI\Scripts\Initialize-PowerCLIEnvironment.ps1“</a:t>
-            </a:r>
-          </a:p>
-          <a:p>
-            <a:pPr marL="1200150" lvl="2" indent="-285750">
-              <a:buFont typeface="Arial" panose="020B0604020202020204" pitchFamily="34" charset="0"/>
-              <a:buChar char="•"/>
-            </a:pPr>
-            <a:r>
-              <a:rPr lang="en-US" dirty="0" smtClean="0"/>
-              <a:t>This loads the VMWare PowerCLI module and allows you to use manage VMWare VM’s in a native PowerShell interpreter rather than being locked into the PowerCLI console.  Assuming you have PowerCLI installed.</a:t>
-            </a:r>
-          </a:p>
-          <a:p>
-            <a:pPr marL="742950" lvl="1" indent="-285750">
-              <a:buFont typeface="Arial" panose="020B0604020202020204" pitchFamily="34" charset="0"/>
-              <a:buChar char="•"/>
-            </a:pPr>
-            <a:r>
-              <a:rPr lang="en-US" dirty="0" smtClean="0"/>
-              <a:t>You Can Manage </a:t>
-            </a:r>
-            <a:r>
-              <a:rPr lang="en-US" dirty="0" err="1" smtClean="0"/>
-              <a:t>HyperV</a:t>
-            </a:r>
-            <a:r>
-              <a:rPr lang="en-US" dirty="0" smtClean="0"/>
-              <a:t> the same way with PowerShell, but because they use some of the same commands (</a:t>
-            </a:r>
-            <a:r>
-              <a:rPr lang="en-US" dirty="0" smtClean="0">
-                <a:solidFill>
-                  <a:srgbClr val="FFFF00"/>
-                </a:solidFill>
-              </a:rPr>
-              <a:t>Get-VM</a:t>
-            </a:r>
-            <a:r>
-              <a:rPr lang="en-US" dirty="0" smtClean="0"/>
-              <a:t>), you cannot manage both at the same time.</a:t>
-            </a:r>
-          </a:p>
-          <a:p>
-            <a:pPr marL="742950" lvl="1" indent="-285750">
-              <a:buFont typeface="Arial" panose="020B0604020202020204" pitchFamily="34" charset="0"/>
-              <a:buChar char="•"/>
-            </a:pPr>
-            <a:r>
-              <a:rPr lang="en-US" dirty="0" smtClean="0"/>
-              <a:t>PowerShell v5.1 is the last Windows Only version of PowerShell</a:t>
-            </a:r>
-          </a:p>
-          <a:p>
-            <a:pPr marL="742950" lvl="1" indent="-285750">
-              <a:buFont typeface="Arial" panose="020B0604020202020204" pitchFamily="34" charset="0"/>
-              <a:buChar char="•"/>
-            </a:pPr>
-            <a:r>
-              <a:rPr lang="en-US" dirty="0" smtClean="0"/>
-              <a:t>PowerShell v6+ allows you to install on OSX, Linux, Windows, &amp; Raspberry Pi.</a:t>
-            </a:r>
-          </a:p>
-          <a:p>
-            <a:pPr marL="1200150" lvl="2" indent="-285750">
-              <a:buFont typeface="Arial" panose="020B0604020202020204" pitchFamily="34" charset="0"/>
-              <a:buChar char="•"/>
-            </a:pPr>
-            <a:r>
-              <a:rPr lang="en-US" dirty="0" smtClean="0"/>
-              <a:t>Yes you can now use the </a:t>
-            </a:r>
-            <a:r>
-              <a:rPr lang="en-US" dirty="0" err="1" smtClean="0"/>
-              <a:t>dir</a:t>
-            </a:r>
-            <a:r>
-              <a:rPr lang="en-US" dirty="0" smtClean="0"/>
-              <a:t> command on OSX or Linux.</a:t>
             </a:r>
           </a:p>
           <a:p>
@@ -6172,8 +5426,456 @@
             <a:endParaRPr lang="en-US" dirty="0"/>
           </a:p>
           <a:p>
+            <a:pPr marL="742950" lvl="1" indent="-285750">
+              <a:buFont typeface="Arial" panose="020B0604020202020204" pitchFamily="34" charset="0"/>
+              <a:buChar char="•"/>
+            </a:pPr>
+            <a:r>
+              <a:rPr lang="en-US" dirty="0"/>
+              <a:t>Get a list of AD users who’s city attribute is “Boston” and then </a:t>
+            </a:r>
+            <a:r>
+              <a:rPr lang="en-US" dirty="0" err="1"/>
+              <a:t>piplining</a:t>
+            </a:r>
+            <a:r>
+              <a:rPr lang="en-US" dirty="0"/>
+              <a:t> that list into a command to reset the user’s password.</a:t>
+            </a:r>
+          </a:p>
+          <a:p>
+            <a:pPr marL="1200150" lvl="2" indent="-285750">
+              <a:buFont typeface="Arial" panose="020B0604020202020204" pitchFamily="34" charset="0"/>
+              <a:buChar char="•"/>
+            </a:pPr>
+            <a:r>
+              <a:rPr lang="en-US" dirty="0">
+                <a:solidFill>
+                  <a:srgbClr val="FFFF00"/>
+                </a:solidFill>
+              </a:rPr>
+              <a:t>get-</a:t>
+            </a:r>
+            <a:r>
+              <a:rPr lang="en-US" dirty="0" err="1">
+                <a:solidFill>
+                  <a:srgbClr val="FFFF00"/>
+                </a:solidFill>
+              </a:rPr>
+              <a:t>aduser</a:t>
+            </a:r>
+            <a:r>
+              <a:rPr lang="en-US" dirty="0">
+                <a:solidFill>
+                  <a:srgbClr val="FFFF00"/>
+                </a:solidFill>
+              </a:rPr>
+              <a:t> -filter {city -</a:t>
+            </a:r>
+            <a:r>
+              <a:rPr lang="en-US" dirty="0" err="1">
+                <a:solidFill>
+                  <a:srgbClr val="FFFF00"/>
+                </a:solidFill>
+              </a:rPr>
+              <a:t>eq</a:t>
+            </a:r>
+            <a:r>
+              <a:rPr lang="en-US" dirty="0">
+                <a:solidFill>
+                  <a:srgbClr val="FFFF00"/>
+                </a:solidFill>
+              </a:rPr>
+              <a:t> 'Boston'} | Set-</a:t>
+            </a:r>
+            <a:r>
+              <a:rPr lang="en-US" dirty="0" err="1">
+                <a:solidFill>
+                  <a:srgbClr val="FFFF00"/>
+                </a:solidFill>
+              </a:rPr>
+              <a:t>ADAccountPassword</a:t>
+            </a:r>
+            <a:r>
+              <a:rPr lang="en-US" dirty="0">
+                <a:solidFill>
+                  <a:srgbClr val="FFFF00"/>
+                </a:solidFill>
+              </a:rPr>
+              <a:t> -</a:t>
+            </a:r>
+            <a:r>
+              <a:rPr lang="en-US" dirty="0" err="1">
+                <a:solidFill>
+                  <a:srgbClr val="FFFF00"/>
+                </a:solidFill>
+              </a:rPr>
+              <a:t>NewPassword</a:t>
+            </a:r>
+            <a:r>
+              <a:rPr lang="en-US" dirty="0">
+                <a:solidFill>
+                  <a:srgbClr val="FFFF00"/>
+                </a:solidFill>
+              </a:rPr>
+              <a:t> (</a:t>
+            </a:r>
+            <a:r>
+              <a:rPr lang="en-US" dirty="0" err="1">
+                <a:solidFill>
+                  <a:srgbClr val="FFFF00"/>
+                </a:solidFill>
+              </a:rPr>
+              <a:t>ConvertTo-SecureString</a:t>
+            </a:r>
+            <a:r>
+              <a:rPr lang="en-US" dirty="0">
+                <a:solidFill>
+                  <a:srgbClr val="FFFF00"/>
+                </a:solidFill>
+              </a:rPr>
+              <a:t> -String “Pass#1234" -</a:t>
+            </a:r>
+            <a:r>
+              <a:rPr lang="en-US" dirty="0" err="1">
+                <a:solidFill>
+                  <a:srgbClr val="FFFF00"/>
+                </a:solidFill>
+              </a:rPr>
+              <a:t>AsPlainText</a:t>
+            </a:r>
+            <a:r>
+              <a:rPr lang="en-US" dirty="0">
+                <a:solidFill>
+                  <a:srgbClr val="FFFF00"/>
+                </a:solidFill>
+              </a:rPr>
+              <a:t> -Force) -Reset </a:t>
+            </a:r>
+          </a:p>
+          <a:p>
+            <a:pPr marL="742950" lvl="1" indent="-285750">
+              <a:buFont typeface="Arial" panose="020B0604020202020204" pitchFamily="34" charset="0"/>
+              <a:buChar char="•"/>
+            </a:pPr>
+            <a:r>
+              <a:rPr lang="en-US" dirty="0"/>
+              <a:t>You can repeat a task a specific number of times.  QA Called &amp; needs 500 generic AD users to do performance testing.</a:t>
+            </a:r>
+          </a:p>
+          <a:p>
+            <a:pPr marL="1200150" lvl="2" indent="-285750">
+              <a:buFont typeface="Arial" panose="020B0604020202020204" pitchFamily="34" charset="0"/>
+              <a:buChar char="•"/>
+            </a:pPr>
+            <a:r>
+              <a:rPr lang="en-US" dirty="0">
+                <a:solidFill>
+                  <a:srgbClr val="FFFF00"/>
+                </a:solidFill>
+              </a:rPr>
+              <a:t> 1..500 | </a:t>
+            </a:r>
+            <a:r>
+              <a:rPr lang="en-US" dirty="0" err="1">
+                <a:solidFill>
+                  <a:srgbClr val="FFFF00"/>
+                </a:solidFill>
+              </a:rPr>
+              <a:t>ForEach</a:t>
+            </a:r>
+            <a:r>
+              <a:rPr lang="en-US" dirty="0">
+                <a:solidFill>
+                  <a:srgbClr val="FFFF00"/>
+                </a:solidFill>
+              </a:rPr>
+              <a:t>-Object {new-</a:t>
+            </a:r>
+            <a:r>
+              <a:rPr lang="en-US" dirty="0" err="1">
+                <a:solidFill>
+                  <a:srgbClr val="FFFF00"/>
+                </a:solidFill>
+              </a:rPr>
+              <a:t>aduser</a:t>
+            </a:r>
+            <a:r>
+              <a:rPr lang="en-US" dirty="0">
+                <a:solidFill>
+                  <a:srgbClr val="FFFF00"/>
+                </a:solidFill>
+              </a:rPr>
+              <a:t> -name "</a:t>
+            </a:r>
+            <a:r>
+              <a:rPr lang="en-US" dirty="0" err="1">
+                <a:solidFill>
+                  <a:srgbClr val="FFFF00"/>
+                </a:solidFill>
+              </a:rPr>
+              <a:t>Minion$PSItem</a:t>
+            </a:r>
+            <a:r>
+              <a:rPr lang="en-US" dirty="0">
+                <a:solidFill>
+                  <a:srgbClr val="FFFF00"/>
+                </a:solidFill>
+              </a:rPr>
+              <a:t>" -</a:t>
+            </a:r>
+            <a:r>
+              <a:rPr lang="en-US" dirty="0" err="1">
+                <a:solidFill>
+                  <a:srgbClr val="FFFF00"/>
+                </a:solidFill>
+              </a:rPr>
+              <a:t>AccountPassword</a:t>
+            </a:r>
+            <a:r>
+              <a:rPr lang="en-US" dirty="0">
+                <a:solidFill>
+                  <a:srgbClr val="FFFF00"/>
+                </a:solidFill>
+              </a:rPr>
+              <a:t> (</a:t>
+            </a:r>
+            <a:r>
+              <a:rPr lang="en-US" dirty="0" err="1">
+                <a:solidFill>
+                  <a:srgbClr val="FFFF00"/>
+                </a:solidFill>
+              </a:rPr>
+              <a:t>ConvertTo-SecureString</a:t>
+            </a:r>
+            <a:r>
+              <a:rPr lang="en-US" dirty="0">
+                <a:solidFill>
+                  <a:srgbClr val="FFFF00"/>
+                </a:solidFill>
+              </a:rPr>
+              <a:t> -</a:t>
+            </a:r>
+            <a:r>
+              <a:rPr lang="en-US" dirty="0" err="1">
+                <a:solidFill>
+                  <a:srgbClr val="FFFF00"/>
+                </a:solidFill>
+              </a:rPr>
+              <a:t>AsPlainText</a:t>
+            </a:r>
+            <a:r>
+              <a:rPr lang="en-US" dirty="0">
+                <a:solidFill>
+                  <a:srgbClr val="FFFF00"/>
+                </a:solidFill>
+              </a:rPr>
+              <a:t> "Welcome#$</a:t>
+            </a:r>
+            <a:r>
+              <a:rPr lang="en-US" dirty="0" err="1">
+                <a:solidFill>
+                  <a:srgbClr val="FFFF00"/>
+                </a:solidFill>
+              </a:rPr>
+              <a:t>PSItem</a:t>
+            </a:r>
+            <a:r>
+              <a:rPr lang="en-US" dirty="0">
+                <a:solidFill>
+                  <a:srgbClr val="FFFF00"/>
+                </a:solidFill>
+              </a:rPr>
+              <a:t>!" -force) -</a:t>
+            </a:r>
+            <a:r>
+              <a:rPr lang="en-US" dirty="0" err="1">
+                <a:solidFill>
+                  <a:srgbClr val="FFFF00"/>
+                </a:solidFill>
+              </a:rPr>
+              <a:t>Enabled:True</a:t>
+            </a:r>
+            <a:r>
+              <a:rPr lang="en-US" dirty="0">
+                <a:solidFill>
+                  <a:srgbClr val="FFFF00"/>
+                </a:solidFill>
+              </a:rPr>
+              <a:t>} </a:t>
+            </a:r>
+          </a:p>
+          <a:p>
+            <a:pPr marL="1657350" lvl="3" indent="-285750">
+              <a:buFont typeface="Arial" panose="020B0604020202020204" pitchFamily="34" charset="0"/>
+              <a:buChar char="•"/>
+            </a:pPr>
+            <a:r>
+              <a:rPr lang="en-US" i="1" dirty="0"/>
+              <a:t>This can be to create accounts for a new branch office, or a big hiring push.  You can leave the password part off and the accounts will be created as disabled with no password.</a:t>
+            </a:r>
+          </a:p>
+          <a:p>
+            <a:pPr marL="742950" lvl="1" indent="-285750">
+              <a:buFont typeface="Arial" panose="020B0604020202020204" pitchFamily="34" charset="0"/>
+              <a:buChar char="•"/>
+            </a:pPr>
+            <a:r>
+              <a:rPr lang="en-US" dirty="0">
+                <a:solidFill>
+                  <a:srgbClr val="FFFF00"/>
+                </a:solidFill>
+              </a:rPr>
+              <a:t> get-service </a:t>
+            </a:r>
+            <a:r>
+              <a:rPr lang="en-US" i="1" dirty="0">
+                <a:solidFill>
+                  <a:srgbClr val="FFFF00"/>
+                </a:solidFill>
+              </a:rPr>
+              <a:t>&lt;Service&gt;</a:t>
+            </a:r>
+            <a:r>
+              <a:rPr lang="en-US" dirty="0">
+                <a:solidFill>
+                  <a:srgbClr val="FFFF00"/>
+                </a:solidFill>
+              </a:rPr>
+              <a:t> -</a:t>
+            </a:r>
+            <a:r>
+              <a:rPr lang="en-US" dirty="0" err="1">
+                <a:solidFill>
+                  <a:srgbClr val="FFFF00"/>
+                </a:solidFill>
+              </a:rPr>
+              <a:t>ComputerName</a:t>
+            </a:r>
+            <a:r>
+              <a:rPr lang="en-US" dirty="0">
+                <a:solidFill>
+                  <a:srgbClr val="FFFF00"/>
+                </a:solidFill>
+              </a:rPr>
+              <a:t> s-ads-prd-dc1.contoso.com</a:t>
+            </a:r>
+          </a:p>
+          <a:p>
+            <a:pPr marL="1200150" lvl="2" indent="-285750">
+              <a:buFont typeface="Arial" panose="020B0604020202020204" pitchFamily="34" charset="0"/>
+              <a:buChar char="•"/>
+            </a:pPr>
+            <a:r>
+              <a:rPr lang="en-US" dirty="0"/>
+              <a:t>Remotely Check a Service on a Remote Computer</a:t>
+            </a:r>
+          </a:p>
+          <a:p>
+            <a:pPr marL="742950" lvl="1" indent="-285750">
+              <a:buFont typeface="Arial" panose="020B0604020202020204" pitchFamily="34" charset="0"/>
+              <a:buChar char="•"/>
+            </a:pPr>
+            <a:r>
+              <a:rPr lang="en-US" dirty="0"/>
+              <a:t>You can load other non Microsoft modules into PowerShell and use your favorite interpreter.</a:t>
+            </a:r>
+          </a:p>
+          <a:p>
+            <a:pPr marL="1200150" lvl="2" indent="-285750">
+              <a:buFont typeface="Arial" panose="020B0604020202020204" pitchFamily="34" charset="0"/>
+              <a:buChar char="•"/>
+            </a:pPr>
+            <a:r>
+              <a:rPr lang="en-US" dirty="0"/>
+              <a:t>&amp;"C:\Program Files (x86)\VMware\Infrastructure\PowerCLI\Scripts\Initialize-PowerCLIEnvironment.ps1“</a:t>
+            </a:r>
+          </a:p>
+          <a:p>
+            <a:pPr marL="1200150" lvl="2" indent="-285750">
+              <a:buFont typeface="Arial" panose="020B0604020202020204" pitchFamily="34" charset="0"/>
+              <a:buChar char="•"/>
+            </a:pPr>
+            <a:r>
+              <a:rPr lang="en-US" dirty="0"/>
+              <a:t>This loads the VMWare PowerCLI module and allows you to use manage VMWare VM’s in a native PowerShell interpreter rather than being locked into the PowerCLI console.  Assuming you have PowerCLI installed.</a:t>
+            </a:r>
+          </a:p>
+          <a:p>
+            <a:pPr marL="742950" lvl="1" indent="-285750">
+              <a:buFont typeface="Arial" panose="020B0604020202020204" pitchFamily="34" charset="0"/>
+              <a:buChar char="•"/>
+            </a:pPr>
+            <a:r>
+              <a:rPr lang="en-US" dirty="0"/>
+              <a:t>You Can Manage </a:t>
+            </a:r>
+            <a:r>
+              <a:rPr lang="en-US" dirty="0" err="1"/>
+              <a:t>HyperV</a:t>
+            </a:r>
+            <a:r>
+              <a:rPr lang="en-US" dirty="0"/>
+              <a:t> the same way with PowerShell, but because they use some of the same commands (</a:t>
+            </a:r>
+            <a:r>
+              <a:rPr lang="en-US" dirty="0">
+                <a:solidFill>
+                  <a:srgbClr val="FFFF00"/>
+                </a:solidFill>
+              </a:rPr>
+              <a:t>Get-VM</a:t>
+            </a:r>
+            <a:r>
+              <a:rPr lang="en-US" dirty="0"/>
+              <a:t>), you cannot manage both at the same time.</a:t>
+            </a:r>
+          </a:p>
+          <a:p>
+            <a:pPr marL="742950" lvl="1" indent="-285750">
+              <a:buFont typeface="Arial" panose="020B0604020202020204" pitchFamily="34" charset="0"/>
+              <a:buChar char="•"/>
+            </a:pPr>
+            <a:r>
+              <a:rPr lang="en-US" dirty="0"/>
+              <a:t>PowerShell v5.1 is the last Windows Only version of PowerShell</a:t>
+            </a:r>
+          </a:p>
+          <a:p>
+            <a:pPr marL="742950" lvl="1" indent="-285750">
+              <a:buFont typeface="Arial" panose="020B0604020202020204" pitchFamily="34" charset="0"/>
+              <a:buChar char="•"/>
+            </a:pPr>
+            <a:r>
+              <a:rPr lang="en-US" dirty="0"/>
+              <a:t>PowerShell v6+ allows you to install on OSX, Linux, Windows, &amp; Raspberry Pi.</a:t>
+            </a:r>
+          </a:p>
+          <a:p>
+            <a:pPr marL="1200150" lvl="2" indent="-285750">
+              <a:buFont typeface="Arial" panose="020B0604020202020204" pitchFamily="34" charset="0"/>
+              <a:buChar char="•"/>
+            </a:pPr>
+            <a:r>
+              <a:rPr lang="en-US" dirty="0"/>
+              <a:t>Yes you can now use the </a:t>
+            </a:r>
+            <a:r>
+              <a:rPr lang="en-US" dirty="0" err="1"/>
+              <a:t>dir</a:t>
+            </a:r>
+            <a:r>
+              <a:rPr lang="en-US" dirty="0"/>
+              <a:t> command on OSX or Linux.</a:t>
+            </a:r>
+          </a:p>
+          <a:p>
             <a:pPr lvl="1"/>
-            <a:endParaRPr lang="en-US" dirty="0" smtClean="0"/>
+            <a:endParaRPr lang="en-US" dirty="0"/>
+          </a:p>
+          <a:p>
+            <a:pPr lvl="1"/>
+            <a:endParaRPr lang="en-US" dirty="0"/>
           </a:p>
         </p:txBody>
       </p:sp>
@@ -6216,7 +5918,7 @@
         <p:spPr>
           <a:xfrm>
             <a:off x="278296" y="318052"/>
-            <a:ext cx="11781182" cy="5909310"/>
+            <a:ext cx="11781182" cy="5632311"/>
           </a:xfrm>
           <a:prstGeom prst="rect">
             <a:avLst/>
@@ -6231,20 +5933,20 @@
           <a:p>
             <a:pPr algn="ctr"/>
             <a:r>
-              <a:rPr lang="en-US" sz="7200" dirty="0" smtClean="0"/>
+              <a:rPr lang="en-US" sz="7200" dirty="0"/>
               <a:t>Tim Fox</a:t>
             </a:r>
           </a:p>
           <a:p>
             <a:pPr algn="ctr"/>
             <a:r>
-              <a:rPr lang="en-US" sz="3600" dirty="0" smtClean="0"/>
+              <a:rPr lang="en-US" sz="3600" dirty="0"/>
               <a:t>System Engineer</a:t>
             </a:r>
           </a:p>
           <a:p>
             <a:pPr algn="ctr"/>
-            <a:endParaRPr lang="en-US" sz="3600" dirty="0" smtClean="0"/>
+            <a:endParaRPr lang="en-US" sz="3600" dirty="0"/>
           </a:p>
           <a:p>
             <a:pPr marL="571500" indent="-571500">
@@ -6252,7 +5954,7 @@
               <a:buChar char="•"/>
             </a:pPr>
             <a:r>
-              <a:rPr lang="en-US" sz="2400" dirty="0" smtClean="0"/>
+              <a:rPr lang="en-US" sz="2400" dirty="0"/>
               <a:t>20 Years in IT</a:t>
             </a:r>
           </a:p>
@@ -6262,7 +5964,7 @@
               <a:buChar char="•"/>
             </a:pPr>
             <a:r>
-              <a:rPr lang="en-US" sz="2400" dirty="0" smtClean="0"/>
+              <a:rPr lang="en-US" sz="2400" dirty="0"/>
               <a:t>15 Years wearing a combination of System, Network, Infrastructure + Administrator, Engineer, Architect</a:t>
             </a:r>
           </a:p>
@@ -6272,7 +5974,7 @@
               <a:buChar char="•"/>
             </a:pPr>
             <a:r>
-              <a:rPr lang="en-US" sz="2400" dirty="0" smtClean="0"/>
+              <a:rPr lang="en-US" sz="2400" dirty="0"/>
               <a:t>Command Line Fool since 1994</a:t>
             </a:r>
           </a:p>
@@ -6282,7 +5984,7 @@
               <a:buChar char="•"/>
             </a:pPr>
             <a:r>
-              <a:rPr lang="en-US" sz="2400" dirty="0" smtClean="0"/>
+              <a:rPr lang="en-US" sz="2400" dirty="0"/>
               <a:t>Lazy Administrator since 2006</a:t>
             </a:r>
           </a:p>
@@ -6292,7 +5994,7 @@
               <a:buChar char="•"/>
             </a:pPr>
             <a:r>
-              <a:rPr lang="en-US" sz="2400" dirty="0" smtClean="0"/>
+              <a:rPr lang="en-US" sz="2400" dirty="0"/>
               <a:t>PowerShell Enthusiast since 2013</a:t>
             </a:r>
           </a:p>
@@ -6302,11 +6004,11 @@
               <a:buChar char="•"/>
             </a:pPr>
             <a:r>
-              <a:rPr lang="en-US" sz="2400" dirty="0" smtClean="0"/>
+              <a:rPr lang="en-US" sz="2400" dirty="0"/>
               <a:t>Loves all things mechanical &amp; electrical </a:t>
             </a:r>
             <a:r>
-              <a:rPr lang="en-US" dirty="0" smtClean="0"/>
+              <a:rPr lang="en-US" dirty="0"/>
               <a:t>(Bonus Points for Jeeps)</a:t>
             </a:r>
           </a:p>
@@ -6316,7 +6018,7 @@
               <a:buChar char="•"/>
             </a:pPr>
             <a:r>
-              <a:rPr lang="en-US" sz="2400" dirty="0" smtClean="0"/>
+              <a:rPr lang="en-US" sz="2400" dirty="0"/>
               <a:t>Obsessed with finding the perfect ink pen</a:t>
             </a:r>
           </a:p>
@@ -6326,16 +6028,11 @@
               <a:buChar char="•"/>
             </a:pPr>
             <a:r>
-              <a:rPr lang="en-US" sz="2400" dirty="0" smtClean="0"/>
-              <a:t>https://github.com/</a:t>
-            </a:r>
-            <a:r>
-              <a:rPr lang="en-US" sz="2400" i="1" dirty="0" smtClean="0"/>
-              <a:t>&lt;$null&gt;</a:t>
-            </a:r>
-            <a:endParaRPr lang="en-US" i="1" dirty="0"/>
-          </a:p>
-          <a:p>
+              <a:rPr lang="en-US" sz="2400" dirty="0">
+                <a:hlinkClick r:id="rId2"/>
+              </a:rPr>
+              <a:t>https://github.com/tk427</a:t>
+            </a:r>
             <a:endParaRPr lang="en-US" dirty="0"/>
           </a:p>
         </p:txBody>
@@ -6394,256 +6091,205 @@
           <a:p>
             <a:pPr algn="ctr"/>
             <a:r>
-              <a:rPr lang="en-US" sz="3600" dirty="0" smtClean="0"/>
-              <a:t>PowerShell Bonus </a:t>
-            </a:r>
-            <a:r>
-              <a:rPr lang="en-US" sz="3600" dirty="0" smtClean="0"/>
-              <a:t>Facts Part </a:t>
-            </a:r>
-            <a:r>
-              <a:rPr lang="en-US" sz="3600" dirty="0" err="1" smtClean="0"/>
+              <a:rPr lang="en-US" sz="3600" dirty="0"/>
+              <a:t>PowerShell Bonus Facts Part </a:t>
+            </a:r>
+            <a:r>
+              <a:rPr lang="en-US" sz="3600" dirty="0" err="1"/>
               <a:t>Deux</a:t>
             </a:r>
             <a:r>
-              <a:rPr lang="en-US" sz="3600" dirty="0" smtClean="0"/>
+              <a:rPr lang="en-US" sz="3600" dirty="0"/>
               <a:t>:</a:t>
             </a:r>
-            <a:endParaRPr lang="en-US" sz="3600" dirty="0" smtClean="0"/>
-          </a:p>
-          <a:p>
-            <a:pPr lvl="1"/>
-            <a:endParaRPr lang="en-US" dirty="0" smtClean="0"/>
-          </a:p>
-          <a:p>
-            <a:pPr marL="742950" lvl="1" indent="-285750">
-              <a:buFont typeface="Arial" panose="020B0604020202020204" pitchFamily="34" charset="0"/>
-              <a:buChar char="•"/>
-            </a:pPr>
-            <a:r>
-              <a:rPr lang="en-US" dirty="0" smtClean="0">
-                <a:solidFill>
-                  <a:srgbClr val="FFFF00"/>
-                </a:solidFill>
-              </a:rPr>
-              <a:t>get-service </a:t>
-            </a:r>
-            <a:r>
-              <a:rPr lang="en-US" i="1" dirty="0" smtClean="0">
-                <a:solidFill>
-                  <a:srgbClr val="FFFF00"/>
-                </a:solidFill>
-              </a:rPr>
-              <a:t>&lt;Service&gt;</a:t>
-            </a:r>
-            <a:r>
-              <a:rPr lang="en-US" dirty="0" smtClean="0">
-                <a:solidFill>
-                  <a:srgbClr val="FFFF00"/>
-                </a:solidFill>
-              </a:rPr>
-              <a:t> </a:t>
-            </a:r>
-            <a:r>
-              <a:rPr lang="en-US" dirty="0">
-                <a:solidFill>
-                  <a:srgbClr val="FFFF00"/>
-                </a:solidFill>
-              </a:rPr>
-              <a:t>-</a:t>
-            </a:r>
-            <a:r>
-              <a:rPr lang="en-US" dirty="0" err="1">
-                <a:solidFill>
-                  <a:srgbClr val="FFFF00"/>
-                </a:solidFill>
-              </a:rPr>
-              <a:t>ComputerName</a:t>
-            </a:r>
-            <a:r>
-              <a:rPr lang="en-US" dirty="0">
-                <a:solidFill>
-                  <a:srgbClr val="FFFF00"/>
-                </a:solidFill>
-              </a:rPr>
-              <a:t> </a:t>
-            </a:r>
-            <a:r>
-              <a:rPr lang="en-US" dirty="0" smtClean="0">
-                <a:solidFill>
-                  <a:srgbClr val="FFFF00"/>
-                </a:solidFill>
-              </a:rPr>
-              <a:t>s-ads-prd-dc1.contoso.com</a:t>
-            </a:r>
-            <a:endParaRPr lang="en-US" dirty="0">
-              <a:solidFill>
-                <a:srgbClr val="FFFF00"/>
-              </a:solidFill>
-            </a:endParaRPr>
-          </a:p>
-          <a:p>
-            <a:pPr marL="1200150" lvl="2" indent="-285750">
-              <a:buFont typeface="Arial" panose="020B0604020202020204" pitchFamily="34" charset="0"/>
-              <a:buChar char="•"/>
-            </a:pPr>
-            <a:r>
-              <a:rPr lang="en-US" dirty="0" smtClean="0"/>
-              <a:t>Remotely Check a Service on a Remote Computer</a:t>
-            </a:r>
-          </a:p>
-          <a:p>
-            <a:pPr marL="742950" lvl="1" indent="-285750">
-              <a:buFont typeface="Arial" panose="020B0604020202020204" pitchFamily="34" charset="0"/>
-              <a:buChar char="•"/>
-            </a:pPr>
-            <a:r>
-              <a:rPr lang="en-US" dirty="0">
-                <a:solidFill>
-                  <a:srgbClr val="FFFF00"/>
-                </a:solidFill>
-              </a:rPr>
-              <a:t>get-service </a:t>
-            </a:r>
-            <a:r>
-              <a:rPr lang="en-US" dirty="0" smtClean="0">
-                <a:solidFill>
-                  <a:srgbClr val="FFFF00"/>
-                </a:solidFill>
-              </a:rPr>
-              <a:t>-</a:t>
-            </a:r>
-            <a:r>
-              <a:rPr lang="en-US" dirty="0" err="1">
-                <a:solidFill>
-                  <a:srgbClr val="FFFF00"/>
-                </a:solidFill>
-              </a:rPr>
-              <a:t>ComputerName</a:t>
-            </a:r>
-            <a:r>
-              <a:rPr lang="en-US" dirty="0">
-                <a:solidFill>
-                  <a:srgbClr val="FFFF00"/>
-                </a:solidFill>
-              </a:rPr>
-              <a:t> s-ads-prd-dc1.contoso.com</a:t>
-            </a:r>
-          </a:p>
-          <a:p>
-            <a:pPr marL="1200150" lvl="2" indent="-285750">
-              <a:buFont typeface="Arial" panose="020B0604020202020204" pitchFamily="34" charset="0"/>
-              <a:buChar char="•"/>
-            </a:pPr>
-            <a:r>
-              <a:rPr lang="en-US" dirty="0" smtClean="0"/>
-              <a:t>Lists all Services on a Remote Computer</a:t>
-            </a:r>
-          </a:p>
-          <a:p>
-            <a:pPr marL="742950" lvl="1" indent="-285750">
-              <a:buFont typeface="Arial" panose="020B0604020202020204" pitchFamily="34" charset="0"/>
-              <a:buChar char="•"/>
-            </a:pPr>
-            <a:r>
-              <a:rPr lang="en-US" dirty="0" smtClean="0">
-                <a:solidFill>
-                  <a:srgbClr val="FFFF00"/>
-                </a:solidFill>
-              </a:rPr>
-              <a:t>get-service </a:t>
-            </a:r>
-            <a:r>
-              <a:rPr lang="en-US" dirty="0">
-                <a:solidFill>
-                  <a:srgbClr val="FFFF00"/>
-                </a:solidFill>
-              </a:rPr>
-              <a:t>-</a:t>
-            </a:r>
-            <a:r>
-              <a:rPr lang="en-US" dirty="0" err="1">
-                <a:solidFill>
-                  <a:srgbClr val="FFFF00"/>
-                </a:solidFill>
-              </a:rPr>
-              <a:t>ComputerName</a:t>
-            </a:r>
-            <a:r>
-              <a:rPr lang="en-US" dirty="0">
-                <a:solidFill>
-                  <a:srgbClr val="FFFF00"/>
-                </a:solidFill>
-              </a:rPr>
-              <a:t> </a:t>
-            </a:r>
-            <a:r>
-              <a:rPr lang="en-US" dirty="0" smtClean="0">
-                <a:solidFill>
-                  <a:srgbClr val="FFFF00"/>
-                </a:solidFill>
-              </a:rPr>
-              <a:t>s-ads-prd-dc1.contoso.com | Where-Object {$_.Status –</a:t>
-            </a:r>
-            <a:r>
-              <a:rPr lang="en-US" dirty="0" err="1" smtClean="0">
-                <a:solidFill>
-                  <a:srgbClr val="FFFF00"/>
-                </a:solidFill>
-              </a:rPr>
-              <a:t>eq</a:t>
-            </a:r>
-            <a:r>
-              <a:rPr lang="en-US" dirty="0" smtClean="0">
-                <a:solidFill>
-                  <a:srgbClr val="FFFF00"/>
-                </a:solidFill>
-              </a:rPr>
-              <a:t> “Running”}</a:t>
-            </a:r>
-          </a:p>
-          <a:p>
-            <a:pPr marL="1200150" lvl="2" indent="-285750">
-              <a:buFont typeface="Arial" panose="020B0604020202020204" pitchFamily="34" charset="0"/>
-              <a:buChar char="•"/>
-            </a:pPr>
-            <a:r>
-              <a:rPr lang="en-US" dirty="0" smtClean="0"/>
-              <a:t>Lists all Running Services on a Remote Computer</a:t>
-            </a:r>
-          </a:p>
-          <a:p>
-            <a:pPr marL="1200150" lvl="2" indent="-285750">
-              <a:buFont typeface="Arial" panose="020B0604020202020204" pitchFamily="34" charset="0"/>
-              <a:buChar char="•"/>
-            </a:pPr>
-            <a:r>
-              <a:rPr lang="en-US" dirty="0" smtClean="0"/>
-              <a:t>You can also add the Sort-Object &amp; Select-Objects to better target or slice &amp; dice the data results</a:t>
-            </a:r>
-            <a:endParaRPr lang="en-US" dirty="0"/>
-          </a:p>
-          <a:p>
-            <a:pPr marL="742950" lvl="1" indent="-285750">
-              <a:buFont typeface="Arial" panose="020B0604020202020204" pitchFamily="34" charset="0"/>
-              <a:buChar char="•"/>
-            </a:pPr>
-            <a:endParaRPr lang="en-US" dirty="0" smtClean="0"/>
-          </a:p>
-          <a:p>
-            <a:pPr marL="742950" lvl="1" indent="-285750">
-              <a:buFont typeface="Arial" panose="020B0604020202020204" pitchFamily="34" charset="0"/>
-              <a:buChar char="•"/>
-            </a:pPr>
-            <a:endParaRPr lang="en-US" dirty="0" smtClean="0"/>
           </a:p>
           <a:p>
             <a:pPr lvl="1"/>
             <a:endParaRPr lang="en-US" dirty="0"/>
           </a:p>
           <a:p>
+            <a:pPr marL="742950" lvl="1" indent="-285750">
+              <a:buFont typeface="Arial" panose="020B0604020202020204" pitchFamily="34" charset="0"/>
+              <a:buChar char="•"/>
+            </a:pPr>
+            <a:r>
+              <a:rPr lang="en-US" dirty="0">
+                <a:solidFill>
+                  <a:srgbClr val="FFFF00"/>
+                </a:solidFill>
+              </a:rPr>
+              <a:t>get-service </a:t>
+            </a:r>
+            <a:r>
+              <a:rPr lang="en-US" i="1" dirty="0">
+                <a:solidFill>
+                  <a:srgbClr val="FFFF00"/>
+                </a:solidFill>
+              </a:rPr>
+              <a:t>&lt;Service&gt;</a:t>
+            </a:r>
+            <a:r>
+              <a:rPr lang="en-US" dirty="0">
+                <a:solidFill>
+                  <a:srgbClr val="FFFF00"/>
+                </a:solidFill>
+              </a:rPr>
+              <a:t> -</a:t>
+            </a:r>
+            <a:r>
+              <a:rPr lang="en-US" dirty="0" err="1">
+                <a:solidFill>
+                  <a:srgbClr val="FFFF00"/>
+                </a:solidFill>
+              </a:rPr>
+              <a:t>ComputerName</a:t>
+            </a:r>
+            <a:r>
+              <a:rPr lang="en-US" dirty="0">
+                <a:solidFill>
+                  <a:srgbClr val="FFFF00"/>
+                </a:solidFill>
+              </a:rPr>
+              <a:t> s-ads-prd-dc1.contoso.com</a:t>
+            </a:r>
+          </a:p>
+          <a:p>
+            <a:pPr marL="1200150" lvl="2" indent="-285750">
+              <a:buFont typeface="Arial" panose="020B0604020202020204" pitchFamily="34" charset="0"/>
+              <a:buChar char="•"/>
+            </a:pPr>
+            <a:r>
+              <a:rPr lang="en-US" dirty="0"/>
+              <a:t>Remotely Check a Service on a Remote Computer</a:t>
+            </a:r>
+          </a:p>
+          <a:p>
+            <a:pPr marL="742950" lvl="1" indent="-285750">
+              <a:buFont typeface="Arial" panose="020B0604020202020204" pitchFamily="34" charset="0"/>
+              <a:buChar char="•"/>
+            </a:pPr>
+            <a:r>
+              <a:rPr lang="en-US" dirty="0">
+                <a:solidFill>
+                  <a:srgbClr val="FFFF00"/>
+                </a:solidFill>
+              </a:rPr>
+              <a:t>get-service -</a:t>
+            </a:r>
+            <a:r>
+              <a:rPr lang="en-US" dirty="0" err="1">
+                <a:solidFill>
+                  <a:srgbClr val="FFFF00"/>
+                </a:solidFill>
+              </a:rPr>
+              <a:t>ComputerName</a:t>
+            </a:r>
+            <a:r>
+              <a:rPr lang="en-US" dirty="0">
+                <a:solidFill>
+                  <a:srgbClr val="FFFF00"/>
+                </a:solidFill>
+              </a:rPr>
+              <a:t> s-ads-prd-dc1.contoso.com</a:t>
+            </a:r>
+          </a:p>
+          <a:p>
+            <a:pPr marL="1200150" lvl="2" indent="-285750">
+              <a:buFont typeface="Arial" panose="020B0604020202020204" pitchFamily="34" charset="0"/>
+              <a:buChar char="•"/>
+            </a:pPr>
+            <a:r>
+              <a:rPr lang="en-US" dirty="0"/>
+              <a:t>Lists all Services on a Remote Computer</a:t>
+            </a:r>
+          </a:p>
+          <a:p>
+            <a:pPr marL="742950" lvl="1" indent="-285750">
+              <a:buFont typeface="Arial" panose="020B0604020202020204" pitchFamily="34" charset="0"/>
+              <a:buChar char="•"/>
+            </a:pPr>
+            <a:r>
+              <a:rPr lang="en-US" dirty="0">
+                <a:solidFill>
+                  <a:srgbClr val="FFFF00"/>
+                </a:solidFill>
+              </a:rPr>
+              <a:t>get-service -</a:t>
+            </a:r>
+            <a:r>
+              <a:rPr lang="en-US" dirty="0" err="1">
+                <a:solidFill>
+                  <a:srgbClr val="FFFF00"/>
+                </a:solidFill>
+              </a:rPr>
+              <a:t>ComputerName</a:t>
+            </a:r>
+            <a:r>
+              <a:rPr lang="en-US" dirty="0">
+                <a:solidFill>
+                  <a:srgbClr val="FFFF00"/>
+                </a:solidFill>
+              </a:rPr>
+              <a:t> s-ads-prd-dc1.contoso.com | Where-Object {$_.Status –</a:t>
+            </a:r>
+            <a:r>
+              <a:rPr lang="en-US" dirty="0" err="1">
+                <a:solidFill>
+                  <a:srgbClr val="FFFF00"/>
+                </a:solidFill>
+              </a:rPr>
+              <a:t>eq</a:t>
+            </a:r>
+            <a:r>
+              <a:rPr lang="en-US" dirty="0">
+                <a:solidFill>
+                  <a:srgbClr val="FFFF00"/>
+                </a:solidFill>
+              </a:rPr>
+              <a:t> “Running”}</a:t>
+            </a:r>
+          </a:p>
+          <a:p>
+            <a:pPr marL="1200150" lvl="2" indent="-285750">
+              <a:buFont typeface="Arial" panose="020B0604020202020204" pitchFamily="34" charset="0"/>
+              <a:buChar char="•"/>
+            </a:pPr>
+            <a:r>
+              <a:rPr lang="en-US" dirty="0"/>
+              <a:t>Lists all Running Services on a Remote Computer</a:t>
+            </a:r>
+          </a:p>
+          <a:p>
+            <a:pPr marL="1200150" lvl="2" indent="-285750">
+              <a:buFont typeface="Arial" panose="020B0604020202020204" pitchFamily="34" charset="0"/>
+              <a:buChar char="•"/>
+            </a:pPr>
+            <a:r>
+              <a:rPr lang="en-US" dirty="0"/>
+              <a:t>You can also add the Sort-Object &amp; Select-Objects to better target or slice &amp; dice the data results</a:t>
+            </a:r>
+          </a:p>
+          <a:p>
+            <a:pPr marL="742950" lvl="1" indent="-285750">
+              <a:buFont typeface="Arial" panose="020B0604020202020204" pitchFamily="34" charset="0"/>
+              <a:buChar char="•"/>
+            </a:pPr>
+            <a:endParaRPr lang="en-US" dirty="0"/>
+          </a:p>
+          <a:p>
+            <a:pPr marL="742950" lvl="1" indent="-285750">
+              <a:buFont typeface="Arial" panose="020B0604020202020204" pitchFamily="34" charset="0"/>
+              <a:buChar char="•"/>
+            </a:pPr>
+            <a:endParaRPr lang="en-US" dirty="0"/>
+          </a:p>
+          <a:p>
             <a:pPr lvl="1"/>
-            <a:endParaRPr lang="en-US" dirty="0" smtClean="0"/>
+            <a:endParaRPr lang="en-US" dirty="0"/>
+          </a:p>
+          <a:p>
+            <a:pPr lvl="1"/>
+            <a:endParaRPr lang="en-US" dirty="0"/>
           </a:p>
         </p:txBody>
       </p:sp>
@@ -6701,20 +6347,20 @@
           <a:p>
             <a:pPr algn="ctr"/>
             <a:r>
-              <a:rPr lang="en-US" sz="7200" dirty="0" smtClean="0"/>
+              <a:rPr lang="en-US" sz="7200" dirty="0"/>
               <a:t>Thank You for Attending</a:t>
             </a:r>
           </a:p>
           <a:p>
             <a:pPr algn="ctr"/>
             <a:r>
-              <a:rPr lang="en-US" sz="3600" dirty="0" smtClean="0"/>
+              <a:rPr lang="en-US" sz="3600" dirty="0"/>
               <a:t>Automate your Quality of Life with PowerShell</a:t>
             </a:r>
           </a:p>
           <a:p>
             <a:pPr algn="ctr"/>
-            <a:endParaRPr lang="en-US" sz="3600" dirty="0" smtClean="0"/>
+            <a:endParaRPr lang="en-US" sz="3600" dirty="0"/>
           </a:p>
           <a:p>
             <a:pPr marL="571500" indent="-571500">
@@ -6722,7 +6368,7 @@
               <a:buChar char="•"/>
             </a:pPr>
             <a:r>
-              <a:rPr lang="en-US" sz="2400" dirty="0" smtClean="0"/>
+              <a:rPr lang="en-US" sz="2400" dirty="0"/>
               <a:t>Slides &amp; Script Examples will be posted at the following URL</a:t>
             </a:r>
           </a:p>
@@ -6732,14 +6378,12 @@
               <a:buChar char="•"/>
             </a:pPr>
             <a:r>
-              <a:rPr lang="en-US" sz="2400" dirty="0" smtClean="0"/>
-              <a:t>https://github.com/</a:t>
-            </a:r>
-            <a:r>
-              <a:rPr lang="en-US" sz="2400" i="1" dirty="0" smtClean="0"/>
-              <a:t>&lt;$null&gt;</a:t>
-            </a:r>
-            <a:endParaRPr lang="en-US" i="1" dirty="0"/>
+              <a:rPr lang="en-US" sz="2400">
+                <a:hlinkClick r:id="rId2"/>
+              </a:rPr>
+              <a:t>https://github.com/tk427</a:t>
+            </a:r>
+            <a:endParaRPr lang="en-US" sz="2400"/>
           </a:p>
           <a:p>
             <a:endParaRPr lang="en-US" dirty="0"/>
@@ -6785,7 +6429,7 @@
         <p:spPr>
           <a:xfrm>
             <a:off x="278296" y="318052"/>
-            <a:ext cx="11781182" cy="6555641"/>
+            <a:ext cx="11781182" cy="4339650"/>
           </a:xfrm>
           <a:prstGeom prst="rect">
             <a:avLst/>
@@ -6800,21 +6444,21 @@
           <a:p>
             <a:pPr algn="ctr"/>
             <a:r>
-              <a:rPr lang="en-US" sz="7200" dirty="0" smtClean="0"/>
+              <a:rPr lang="en-US" sz="7200" dirty="0"/>
               <a:t>Why I love PowerShell…</a:t>
             </a:r>
-            <a:endParaRPr lang="en-US" sz="3600" dirty="0" smtClean="0"/>
+            <a:endParaRPr lang="en-US" sz="3600" dirty="0"/>
           </a:p>
           <a:p>
             <a:pPr algn="ctr"/>
-            <a:endParaRPr lang="en-US" sz="3600" dirty="0" smtClean="0"/>
+            <a:endParaRPr lang="en-US" sz="3600" dirty="0"/>
           </a:p>
           <a:p>
             <a:pPr marL="571500" indent="-571500">
               <a:buFont typeface="Arial" panose="020B0604020202020204" pitchFamily="34" charset="0"/>
               <a:buChar char="•"/>
             </a:pPr>
-            <a:endParaRPr lang="en-US" i="1" dirty="0" smtClean="0"/>
+            <a:endParaRPr lang="en-US" i="1" dirty="0"/>
           </a:p>
           <a:p>
             <a:pPr marL="571500" indent="-571500">
@@ -6828,74 +6472,20 @@
               <a:buFont typeface="Arial" panose="020B0604020202020204" pitchFamily="34" charset="0"/>
               <a:buChar char="•"/>
             </a:pPr>
-            <a:endParaRPr lang="en-US" i="1" dirty="0"/>
+            <a:r>
+              <a:rPr lang="en-US" b="1" i="1" dirty="0"/>
+              <a:t>PowerShell is Awesome</a:t>
+            </a:r>
           </a:p>
           <a:p>
             <a:pPr marL="571500" indent="-571500">
               <a:buFont typeface="Arial" panose="020B0604020202020204" pitchFamily="34" charset="0"/>
               <a:buChar char="•"/>
             </a:pPr>
-            <a:endParaRPr lang="en-US" i="1" dirty="0"/>
-          </a:p>
-          <a:p>
-            <a:pPr marL="571500" indent="-571500">
-              <a:buFont typeface="Arial" panose="020B0604020202020204" pitchFamily="34" charset="0"/>
-              <a:buChar char="•"/>
-            </a:pPr>
-            <a:endParaRPr lang="en-US" i="1" dirty="0" smtClean="0"/>
-          </a:p>
-          <a:p>
-            <a:pPr marL="571500" indent="-571500">
-              <a:buFont typeface="Arial" panose="020B0604020202020204" pitchFamily="34" charset="0"/>
-              <a:buChar char="•"/>
-            </a:pPr>
-            <a:endParaRPr lang="en-US" i="1" dirty="0"/>
-          </a:p>
-          <a:p>
-            <a:pPr marL="571500" indent="-571500">
-              <a:buFont typeface="Arial" panose="020B0604020202020204" pitchFamily="34" charset="0"/>
-              <a:buChar char="•"/>
-            </a:pPr>
-            <a:endParaRPr lang="en-US" i="1" dirty="0" smtClean="0"/>
-          </a:p>
-          <a:p>
-            <a:pPr marL="571500" indent="-571500">
-              <a:buFont typeface="Arial" panose="020B0604020202020204" pitchFamily="34" charset="0"/>
-              <a:buChar char="•"/>
-            </a:pPr>
-            <a:endParaRPr lang="en-US" i="1" dirty="0"/>
-          </a:p>
-          <a:p>
-            <a:pPr marL="571500" indent="-571500">
-              <a:buFont typeface="Arial" panose="020B0604020202020204" pitchFamily="34" charset="0"/>
-              <a:buChar char="•"/>
-            </a:pPr>
-            <a:endParaRPr lang="en-US" i="1" dirty="0" smtClean="0"/>
-          </a:p>
-          <a:p>
-            <a:pPr marL="571500" indent="-571500">
-              <a:buFont typeface="Arial" panose="020B0604020202020204" pitchFamily="34" charset="0"/>
-              <a:buChar char="•"/>
-            </a:pPr>
-            <a:endParaRPr lang="en-US" i="1" dirty="0"/>
-          </a:p>
-          <a:p>
-            <a:pPr marL="571500" indent="-571500">
-              <a:buFont typeface="Arial" panose="020B0604020202020204" pitchFamily="34" charset="0"/>
-              <a:buChar char="•"/>
-            </a:pPr>
-            <a:endParaRPr lang="en-US" i="1" dirty="0" smtClean="0"/>
-          </a:p>
-          <a:p>
-            <a:pPr marL="571500" indent="-571500">
-              <a:buFont typeface="Arial" panose="020B0604020202020204" pitchFamily="34" charset="0"/>
-              <a:buChar char="•"/>
-            </a:pPr>
-            <a:r>
-              <a:rPr lang="en-US" sz="9600" b="1" i="1" dirty="0" smtClean="0"/>
+            <a:r>
+              <a:rPr lang="en-US" sz="9600" b="1" i="1" dirty="0"/>
               <a:t>Because I’m Lazy</a:t>
             </a:r>
-            <a:endParaRPr lang="en-US" sz="9600" b="1" i="1" dirty="0"/>
           </a:p>
           <a:p>
             <a:endParaRPr lang="en-US" dirty="0"/>
@@ -6956,7 +6546,7 @@
           <a:p>
             <a:pPr algn="ctr"/>
             <a:r>
-              <a:rPr lang="en-US" sz="3600" dirty="0" smtClean="0"/>
+              <a:rPr lang="en-US" sz="3600" dirty="0"/>
               <a:t>What We Will Cover</a:t>
             </a:r>
           </a:p>
@@ -6966,7 +6556,7 @@
               <a:buChar char="•"/>
             </a:pPr>
             <a:r>
-              <a:rPr lang="en-US" sz="2400" dirty="0" smtClean="0"/>
+              <a:rPr lang="en-US" sz="2400" dirty="0"/>
               <a:t>Profiles</a:t>
             </a:r>
           </a:p>
@@ -6976,7 +6566,7 @@
               <a:buChar char="•"/>
             </a:pPr>
             <a:r>
-              <a:rPr lang="en-US" sz="2400" dirty="0" smtClean="0"/>
+              <a:rPr lang="en-US" sz="2400" dirty="0"/>
               <a:t>Logging</a:t>
             </a:r>
           </a:p>
@@ -6986,7 +6576,7 @@
               <a:buChar char="•"/>
             </a:pPr>
             <a:r>
-              <a:rPr lang="en-US" sz="2400" dirty="0" smtClean="0"/>
+              <a:rPr lang="en-US" sz="2400" dirty="0"/>
               <a:t>Pipeline Output</a:t>
             </a:r>
           </a:p>
@@ -6996,7 +6586,7 @@
               <a:buChar char="•"/>
             </a:pPr>
             <a:r>
-              <a:rPr lang="en-US" sz="2400" dirty="0" smtClean="0"/>
+              <a:rPr lang="en-US" sz="2400" dirty="0"/>
               <a:t>Functions</a:t>
             </a:r>
           </a:p>
@@ -7006,7 +6596,7 @@
               <a:buChar char="•"/>
             </a:pPr>
             <a:r>
-              <a:rPr lang="en-US" sz="2400" dirty="0" smtClean="0"/>
+              <a:rPr lang="en-US" sz="2400" dirty="0"/>
               <a:t>Aliases</a:t>
             </a:r>
           </a:p>
@@ -7016,7 +6606,7 @@
               <a:buChar char="•"/>
             </a:pPr>
             <a:r>
-              <a:rPr lang="en-US" sz="2400" dirty="0" smtClean="0"/>
+              <a:rPr lang="en-US" sz="2400" dirty="0"/>
               <a:t>Session Variables</a:t>
             </a:r>
           </a:p>
@@ -7026,7 +6616,7 @@
               <a:buChar char="•"/>
             </a:pPr>
             <a:r>
-              <a:rPr lang="en-US" sz="2400" dirty="0" smtClean="0"/>
+              <a:rPr lang="en-US" sz="2400" dirty="0"/>
               <a:t>Optimizing Best Practices in your Scripting</a:t>
             </a:r>
           </a:p>
@@ -7036,7 +6626,7 @@
               <a:buChar char="•"/>
             </a:pPr>
             <a:r>
-              <a:rPr lang="en-US" sz="2400" dirty="0" smtClean="0"/>
+              <a:rPr lang="en-US" sz="2400" dirty="0"/>
               <a:t>Bonus Facts</a:t>
             </a:r>
           </a:p>
@@ -7049,18 +6639,14 @@
           </a:p>
           <a:p>
             <a:r>
-              <a:rPr lang="en-US" i="1" dirty="0" smtClean="0"/>
+              <a:rPr lang="en-US" i="1" dirty="0"/>
               <a:t>	* This will be mostly Demo Focused</a:t>
             </a:r>
           </a:p>
           <a:p>
             <a:r>
               <a:rPr lang="en-US" i="1" dirty="0"/>
-              <a:t>	</a:t>
-            </a:r>
-            <a:r>
-              <a:rPr lang="en-US" i="1" dirty="0" smtClean="0"/>
-              <a:t>** This is not intended to be exhaustive, just a sample of what is possible</a:t>
+              <a:t>	** This is not intended to be exhaustive, just a sample of what is possible</a:t>
             </a:r>
           </a:p>
           <a:p>
@@ -7126,13 +6712,13 @@
           <a:p>
             <a:pPr algn="ctr"/>
             <a:r>
-              <a:rPr lang="en-US" sz="3600" dirty="0" smtClean="0"/>
+              <a:rPr lang="en-US" sz="3600" dirty="0"/>
               <a:t>Things to Remember…</a:t>
             </a:r>
           </a:p>
           <a:p>
             <a:pPr algn="ctr"/>
-            <a:endParaRPr lang="en-US" sz="3600" dirty="0" smtClean="0"/>
+            <a:endParaRPr lang="en-US" sz="3600" dirty="0"/>
           </a:p>
           <a:p>
             <a:pPr marL="342900" indent="-342900">
@@ -7140,7 +6726,7 @@
               <a:buChar char="•"/>
             </a:pPr>
             <a:r>
-              <a:rPr lang="en-US" sz="2400" dirty="0" smtClean="0"/>
+              <a:rPr lang="en-US" sz="2400" dirty="0"/>
               <a:t>Most of my examples are Active Directory Related, but PowerShell Cmdlets are agnostic</a:t>
             </a:r>
           </a:p>
@@ -7150,7 +6736,7 @@
               <a:buChar char="•"/>
             </a:pPr>
             <a:r>
-              <a:rPr lang="en-US" sz="2400" dirty="0" smtClean="0"/>
+              <a:rPr lang="en-US" sz="2400" dirty="0"/>
               <a:t>Select-Object</a:t>
             </a:r>
           </a:p>
@@ -7160,7 +6746,7 @@
               <a:buChar char="•"/>
             </a:pPr>
             <a:r>
-              <a:rPr lang="en-US" sz="2400" dirty="0" smtClean="0"/>
+              <a:rPr lang="en-US" sz="2400" dirty="0"/>
               <a:t>Sort-Object</a:t>
             </a:r>
           </a:p>
@@ -7170,7 +6756,7 @@
               <a:buChar char="•"/>
             </a:pPr>
             <a:r>
-              <a:rPr lang="en-US" sz="2400" dirty="0" smtClean="0"/>
+              <a:rPr lang="en-US" sz="2400" dirty="0"/>
               <a:t>Group-Object</a:t>
             </a:r>
           </a:p>
@@ -7180,7 +6766,7 @@
               <a:buChar char="•"/>
             </a:pPr>
             <a:r>
-              <a:rPr lang="en-US" sz="2400" dirty="0" smtClean="0"/>
+              <a:rPr lang="en-US" sz="2400" dirty="0"/>
               <a:t>Where-Object</a:t>
             </a:r>
           </a:p>
@@ -7190,10 +6776,9 @@
               <a:buChar char="•"/>
             </a:pPr>
             <a:r>
-              <a:rPr lang="en-US" sz="2400" dirty="0" smtClean="0"/>
+              <a:rPr lang="en-US" sz="2400" dirty="0"/>
               <a:t>Measure-Object</a:t>
             </a:r>
-            <a:endParaRPr lang="en-US" sz="2400" dirty="0"/>
           </a:p>
         </p:txBody>
       </p:sp>
@@ -7251,7 +6836,7 @@
           <a:p>
             <a:pPr algn="ctr"/>
             <a:r>
-              <a:rPr lang="en-US" sz="3600" dirty="0" smtClean="0"/>
+              <a:rPr lang="en-US" sz="3600" dirty="0"/>
               <a:t>Profiles</a:t>
             </a:r>
           </a:p>
@@ -7261,7 +6846,7 @@
               <a:buChar char="•"/>
             </a:pPr>
             <a:r>
-              <a:rPr lang="en-US" sz="2400" dirty="0" smtClean="0"/>
+              <a:rPr lang="en-US" sz="2400" dirty="0"/>
               <a:t>4 – 6 Locations for your PowerShell Profile</a:t>
             </a:r>
           </a:p>
@@ -7273,7 +6858,7 @@
             <a:endParaRPr lang="en-US" sz="2400" dirty="0"/>
           </a:p>
           <a:p>
-            <a:endParaRPr lang="en-US" sz="2400" dirty="0" smtClean="0"/>
+            <a:endParaRPr lang="en-US" sz="2400" dirty="0"/>
           </a:p>
         </p:txBody>
       </p:sp>
@@ -7324,10 +6909,9 @@
                     <a:lstStyle/>
                     <a:p>
                       <a:r>
-                        <a:rPr lang="en-US" sz="2400" dirty="0" smtClean="0"/>
+                        <a:rPr lang="en-US" sz="2400" dirty="0"/>
                         <a:t>Description</a:t>
                       </a:r>
-                      <a:endParaRPr lang="en-US" sz="2400" dirty="0"/>
                     </a:p>
                   </a:txBody>
                   <a:tcPr/>
@@ -7338,10 +6922,9 @@
                     <a:lstStyle/>
                     <a:p>
                       <a:r>
-                        <a:rPr lang="en-US" sz="2400" dirty="0" smtClean="0"/>
+                        <a:rPr lang="en-US" sz="2400" dirty="0"/>
                         <a:t>Path</a:t>
                       </a:r>
-                      <a:endParaRPr lang="en-US" sz="2400" dirty="0"/>
                     </a:p>
                   </a:txBody>
                   <a:tcPr/>
@@ -7359,7 +6942,7 @@
                     <a:lstStyle/>
                     <a:p>
                       <a:r>
-                        <a:rPr lang="en-US" sz="1800" b="0" i="0" kern="1200" dirty="0" smtClean="0">
+                        <a:rPr lang="en-US" sz="1800" b="0" i="0" kern="1200" dirty="0">
                           <a:solidFill>
                             <a:schemeClr val="dk1"/>
                           </a:solidFill>
@@ -7381,7 +6964,7 @@
                     <a:lstStyle/>
                     <a:p>
                       <a:r>
-                        <a:rPr lang="en-US" sz="1800" b="0" i="0" kern="1200" dirty="0" smtClean="0">
+                        <a:rPr lang="en-US" sz="1800" b="0" i="0" kern="1200" dirty="0">
                           <a:solidFill>
                             <a:srgbClr val="00B050"/>
                           </a:solidFill>
@@ -7393,7 +6976,7 @@
                         <a:t>$Home\[My ]Documents\</a:t>
                       </a:r>
                       <a:r>
-                        <a:rPr lang="en-US" sz="1800" b="0" i="0" kern="1200" dirty="0" err="1" smtClean="0">
+                        <a:rPr lang="en-US" sz="1800" b="0" i="0" kern="1200" dirty="0" err="1">
                           <a:solidFill>
                             <a:srgbClr val="00B050"/>
                           </a:solidFill>
@@ -7405,7 +6988,7 @@
                         <a:t>WindowsPowerShell</a:t>
                       </a:r>
                       <a:r>
-                        <a:rPr lang="en-US" sz="1800" b="0" i="0" kern="1200" dirty="0" smtClean="0">
+                        <a:rPr lang="en-US" sz="1800" b="0" i="0" kern="1200" dirty="0">
                           <a:solidFill>
                             <a:srgbClr val="00B050"/>
                           </a:solidFill>
@@ -7438,7 +7021,7 @@
                     <a:lstStyle/>
                     <a:p>
                       <a:r>
-                        <a:rPr lang="en-US" sz="1800" b="0" i="0" kern="1200" dirty="0" smtClean="0">
+                        <a:rPr lang="en-US" sz="1800" b="0" i="0" kern="1200" dirty="0">
                           <a:solidFill>
                             <a:schemeClr val="dk1"/>
                           </a:solidFill>
@@ -7460,7 +7043,7 @@
                     <a:lstStyle/>
                     <a:p>
                       <a:r>
-                        <a:rPr lang="en-US" sz="1800" b="0" i="0" kern="1200" dirty="0" smtClean="0">
+                        <a:rPr lang="en-US" sz="1800" b="0" i="0" kern="1200" dirty="0">
                           <a:solidFill>
                             <a:schemeClr val="dk1"/>
                           </a:solidFill>
@@ -7489,7 +7072,7 @@
                     <a:lstStyle/>
                     <a:p>
                       <a:r>
-                        <a:rPr lang="en-US" sz="1800" b="0" i="0" kern="1200" dirty="0" smtClean="0">
+                        <a:rPr lang="en-US" sz="1800" b="0" i="0" kern="1200" dirty="0">
                           <a:solidFill>
                             <a:schemeClr val="dk1"/>
                           </a:solidFill>
@@ -7511,7 +7094,7 @@
                     <a:lstStyle/>
                     <a:p>
                       <a:r>
-                        <a:rPr lang="en-US" sz="1800" b="0" i="0" kern="1200" dirty="0" smtClean="0">
+                        <a:rPr lang="en-US" sz="1800" b="0" i="0" kern="1200" dirty="0">
                           <a:solidFill>
                             <a:schemeClr val="dk1"/>
                           </a:solidFill>
@@ -7523,7 +7106,7 @@
                         <a:t>$</a:t>
                       </a:r>
                       <a:r>
-                        <a:rPr lang="en-US" sz="1800" b="0" i="0" kern="1200" dirty="0" err="1" smtClean="0">
+                        <a:rPr lang="en-US" sz="1800" b="0" i="0" kern="1200" dirty="0" err="1">
                           <a:solidFill>
                             <a:schemeClr val="dk1"/>
                           </a:solidFill>
@@ -7535,7 +7118,7 @@
                         <a:t>PsHome</a:t>
                       </a:r>
                       <a:r>
-                        <a:rPr lang="en-US" sz="1800" b="0" i="0" kern="1200" dirty="0" smtClean="0">
+                        <a:rPr lang="en-US" sz="1800" b="0" i="0" kern="1200" dirty="0">
                           <a:solidFill>
                             <a:schemeClr val="dk1"/>
                           </a:solidFill>
@@ -7564,7 +7147,7 @@
                     <a:lstStyle/>
                     <a:p>
                       <a:r>
-                        <a:rPr lang="en-US" sz="1800" b="0" i="0" kern="1200" dirty="0" smtClean="0">
+                        <a:rPr lang="en-US" sz="1800" b="0" i="0" kern="1200" dirty="0">
                           <a:solidFill>
                             <a:schemeClr val="dk1"/>
                           </a:solidFill>
@@ -7586,7 +7169,7 @@
                     <a:lstStyle/>
                     <a:p>
                       <a:r>
-                        <a:rPr lang="en-US" dirty="0" smtClean="0">
+                        <a:rPr lang="en-US" dirty="0">
                           <a:effectLst/>
                         </a:rPr>
                         <a:t>$</a:t>
@@ -7620,7 +7203,7 @@
                     <a:lstStyle/>
                     <a:p>
                       <a:r>
-                        <a:rPr lang="en-US" sz="1800" b="0" i="0" kern="1200" dirty="0" smtClean="0">
+                        <a:rPr lang="en-US" sz="1800" b="0" i="0" kern="1200" dirty="0">
                           <a:solidFill>
                             <a:schemeClr val="dk1"/>
                           </a:solidFill>
@@ -7642,7 +7225,7 @@
                     <a:lstStyle/>
                     <a:p>
                       <a:r>
-                        <a:rPr lang="en-US" sz="1800" b="0" i="0" kern="1200" dirty="0" smtClean="0">
+                        <a:rPr lang="en-US" sz="1800" b="0" i="0" kern="1200" dirty="0">
                           <a:solidFill>
                             <a:schemeClr val="dk1"/>
                           </a:solidFill>
@@ -7654,7 +7237,7 @@
                         <a:t>$Home\[My ]Documents\</a:t>
                       </a:r>
                       <a:r>
-                        <a:rPr lang="en-US" sz="1800" b="0" i="0" kern="1200" dirty="0" err="1" smtClean="0">
+                        <a:rPr lang="en-US" sz="1800" b="0" i="0" kern="1200" dirty="0" err="1">
                           <a:solidFill>
                             <a:schemeClr val="dk1"/>
                           </a:solidFill>
@@ -7666,7 +7249,7 @@
                         <a:t>WindowsPowerShell</a:t>
                       </a:r>
                       <a:r>
-                        <a:rPr lang="en-US" sz="1800" b="0" i="0" kern="1200" dirty="0" smtClean="0">
+                        <a:rPr lang="en-US" sz="1800" b="0" i="0" kern="1200" dirty="0">
                           <a:solidFill>
                             <a:schemeClr val="dk1"/>
                           </a:solidFill>
@@ -7695,7 +7278,7 @@
                     <a:lstStyle/>
                     <a:p>
                       <a:r>
-                        <a:rPr lang="en-US" sz="1800" b="0" i="0" kern="1200" dirty="0" smtClean="0">
+                        <a:rPr lang="en-US" sz="1800" b="0" i="0" kern="1200" dirty="0">
                           <a:solidFill>
                             <a:schemeClr val="dk1"/>
                           </a:solidFill>
@@ -7717,7 +7300,7 @@
                     <a:lstStyle/>
                     <a:p>
                       <a:r>
-                        <a:rPr lang="en-US" sz="1800" b="0" i="0" kern="1200" dirty="0" smtClean="0">
+                        <a:rPr lang="en-US" sz="1800" b="0" i="0" kern="1200" dirty="0">
                           <a:solidFill>
                             <a:schemeClr val="dk1"/>
                           </a:solidFill>
@@ -7729,7 +7312,7 @@
                         <a:t>$</a:t>
                       </a:r>
                       <a:r>
-                        <a:rPr lang="en-US" sz="1800" b="0" i="0" kern="1200" dirty="0" err="1" smtClean="0">
+                        <a:rPr lang="en-US" sz="1800" b="0" i="0" kern="1200" dirty="0" err="1">
                           <a:solidFill>
                             <a:schemeClr val="dk1"/>
                           </a:solidFill>
@@ -7741,7 +7324,7 @@
                         <a:t>PsHome</a:t>
                       </a:r>
                       <a:r>
-                        <a:rPr lang="en-US" sz="1800" b="0" i="0" kern="1200" dirty="0" smtClean="0">
+                        <a:rPr lang="en-US" sz="1800" b="0" i="0" kern="1200" dirty="0">
                           <a:solidFill>
                             <a:schemeClr val="dk1"/>
                           </a:solidFill>
@@ -7790,15 +7373,15 @@
           <a:lstStyle/>
           <a:p>
             <a:r>
-              <a:rPr lang="en-US" b="1" dirty="0" smtClean="0"/>
+              <a:rPr lang="en-US" b="1" dirty="0"/>
               <a:t>*</a:t>
             </a:r>
             <a:r>
-              <a:rPr lang="en-US" dirty="0" smtClean="0"/>
+              <a:rPr lang="en-US" dirty="0"/>
               <a:t> </a:t>
             </a:r>
             <a:r>
-              <a:rPr lang="en-US" dirty="0" smtClean="0">
+              <a:rPr lang="en-US" dirty="0">
                 <a:hlinkClick r:id="rId2"/>
               </a:rPr>
               <a:t>https://devblogs.microsoft.com/scripting/understanding-the-six-powershell-profiles/</a:t>
@@ -7861,7 +7444,7 @@
           <a:p>
             <a:pPr algn="ctr"/>
             <a:r>
-              <a:rPr lang="en-US" sz="3600" dirty="0" smtClean="0"/>
+              <a:rPr lang="en-US" sz="3600" dirty="0"/>
               <a:t>My Personal Profile Preference</a:t>
             </a:r>
           </a:p>
@@ -7871,7 +7454,7 @@
               <a:buChar char="•"/>
             </a:pPr>
             <a:r>
-              <a:rPr lang="en-US" sz="2400" dirty="0" smtClean="0">
+              <a:rPr lang="en-US" sz="2400" dirty="0">
                 <a:solidFill>
                   <a:srgbClr val="00B050"/>
                 </a:solidFill>
@@ -7879,7 +7462,7 @@
               <a:t>\user\Documents\</a:t>
             </a:r>
             <a:r>
-              <a:rPr lang="en-US" sz="2400" dirty="0" err="1" smtClean="0">
+              <a:rPr lang="en-US" sz="2400" dirty="0" err="1">
                 <a:solidFill>
                   <a:srgbClr val="00B050"/>
                 </a:solidFill>
@@ -7972,7 +7555,7 @@
           <a:p>
             <a:pPr algn="ctr"/>
             <a:r>
-              <a:rPr lang="en-US" sz="3600" dirty="0" smtClean="0"/>
+              <a:rPr lang="en-US" sz="3600" dirty="0"/>
               <a:t>My Personal Profile Preference</a:t>
             </a:r>
           </a:p>
@@ -7982,7 +7565,7 @@
               <a:buChar char="•"/>
             </a:pPr>
             <a:r>
-              <a:rPr lang="en-US" sz="2400" dirty="0" smtClean="0">
+              <a:rPr lang="en-US" sz="2400" dirty="0">
                 <a:solidFill>
                   <a:srgbClr val="00B050"/>
                 </a:solidFill>
@@ -7990,14 +7573,14 @@
               <a:t>\user\Documents\</a:t>
             </a:r>
             <a:r>
-              <a:rPr lang="en-US" sz="2400" dirty="0" err="1" smtClean="0">
+              <a:rPr lang="en-US" sz="2400" dirty="0" err="1">
                 <a:solidFill>
                   <a:srgbClr val="00B050"/>
                 </a:solidFill>
               </a:rPr>
               <a:t>WindowsPowerShell</a:t>
             </a:r>
-            <a:endParaRPr lang="en-US" sz="2400" dirty="0" smtClean="0">
+            <a:endParaRPr lang="en-US" sz="2400" dirty="0">
               <a:solidFill>
                 <a:srgbClr val="00B050"/>
               </a:solidFill>
@@ -8009,7 +7592,7 @@
               <a:buChar char="•"/>
             </a:pPr>
             <a:r>
-              <a:rPr lang="en-US" sz="2400" dirty="0" smtClean="0"/>
+              <a:rPr lang="en-US" sz="2400" dirty="0"/>
               <a:t>3 Profile Files</a:t>
             </a:r>
           </a:p>
@@ -8019,7 +7602,7 @@
               <a:buChar char="•"/>
             </a:pPr>
             <a:r>
-              <a:rPr lang="en-US" sz="2400" dirty="0" smtClean="0"/>
+              <a:rPr lang="en-US" sz="2400" dirty="0"/>
               <a:t>One for PowerShell</a:t>
             </a:r>
           </a:p>
@@ -8029,7 +7612,7 @@
               <a:buChar char="•"/>
             </a:pPr>
             <a:r>
-              <a:rPr lang="en-US" sz="2400" dirty="0" smtClean="0"/>
+              <a:rPr lang="en-US" sz="2400" dirty="0"/>
               <a:t>One for PowerShell ISE</a:t>
             </a:r>
           </a:p>
@@ -8039,7 +7622,7 @@
               <a:buChar char="•"/>
             </a:pPr>
             <a:r>
-              <a:rPr lang="en-US" sz="2400" dirty="0" smtClean="0"/>
+              <a:rPr lang="en-US" sz="2400" dirty="0"/>
               <a:t>One for VS Code</a:t>
             </a:r>
           </a:p>
@@ -8049,7 +7632,7 @@
               <a:buChar char="•"/>
             </a:pPr>
             <a:r>
-              <a:rPr lang="en-US" sz="2400" dirty="0" smtClean="0"/>
+              <a:rPr lang="en-US" sz="2400" dirty="0"/>
               <a:t>All 3 files are identical so that all interpreters load the same things</a:t>
             </a:r>
           </a:p>
@@ -8059,10 +7642,9 @@
               <a:buChar char="•"/>
             </a:pPr>
             <a:r>
-              <a:rPr lang="en-US" sz="2400" dirty="0" smtClean="0"/>
+              <a:rPr lang="en-US" sz="2400" dirty="0"/>
               <a:t>These 3 files also exist in the user folders for multiple users for a consistent user experience across user accounts</a:t>
             </a:r>
-            <a:endParaRPr lang="en-US" sz="2400" dirty="0"/>
           </a:p>
         </p:txBody>
       </p:sp>
@@ -8120,14 +7702,14 @@
           <a:p>
             <a:pPr algn="ctr"/>
             <a:r>
-              <a:rPr lang="en-US" sz="3600" dirty="0" smtClean="0"/>
+              <a:rPr lang="en-US" sz="3600" dirty="0"/>
               <a:t>My Personal PowerShell Profile File</a:t>
             </a:r>
-            <a:endParaRPr lang="en-US" sz="2400" dirty="0" smtClean="0"/>
-          </a:p>
-          <a:p>
-            <a:r>
-              <a:rPr lang="en-US" dirty="0" smtClean="0">
+            <a:endParaRPr lang="en-US" sz="2400" dirty="0"/>
+          </a:p>
+          <a:p>
+            <a:r>
+              <a:rPr lang="en-US" dirty="0">
                 <a:solidFill>
                   <a:srgbClr val="FFFF00"/>
                 </a:solidFill>
@@ -8137,7 +7719,7 @@
           </a:p>
           <a:p>
             <a:r>
-              <a:rPr lang="en-US" dirty="0" smtClean="0">
+              <a:rPr lang="en-US" dirty="0">
                 <a:solidFill>
                   <a:srgbClr val="00B050"/>
                 </a:solidFill>
@@ -8147,7 +7729,7 @@
           </a:p>
           <a:p>
             <a:r>
-              <a:rPr lang="en-US" dirty="0" smtClean="0">
+              <a:rPr lang="en-US" dirty="0">
                 <a:solidFill>
                   <a:srgbClr val="FFFF00"/>
                 </a:solidFill>
@@ -8155,7 +7737,7 @@
               <a:t>start-transcript -path " d:\scripts\PowerShell\PowerShellTranscripts\$env:username\$(get-date -f </a:t>
             </a:r>
             <a:r>
-              <a:rPr lang="en-US" dirty="0" err="1" smtClean="0">
+              <a:rPr lang="en-US" dirty="0" err="1">
                 <a:solidFill>
                   <a:srgbClr val="FFFF00"/>
                 </a:solidFill>
@@ -8163,7 +7745,7 @@
               <a:t>yyyy</a:t>
             </a:r>
             <a:r>
-              <a:rPr lang="en-US" dirty="0" smtClean="0">
+              <a:rPr lang="en-US" dirty="0">
                 <a:solidFill>
                   <a:srgbClr val="FFFF00"/>
                 </a:solidFill>
@@ -8171,7 +7753,7 @@
               <a:t>-MM-</a:t>
             </a:r>
             <a:r>
-              <a:rPr lang="en-US" dirty="0" err="1" smtClean="0">
+              <a:rPr lang="en-US" dirty="0" err="1">
                 <a:solidFill>
                   <a:srgbClr val="FFFF00"/>
                 </a:solidFill>
@@ -8179,7 +7761,7 @@
               <a:t>dd</a:t>
             </a:r>
             <a:r>
-              <a:rPr lang="en-US" dirty="0" smtClean="0">
+              <a:rPr lang="en-US" dirty="0">
                 <a:solidFill>
                   <a:srgbClr val="FFFF00"/>
                 </a:solidFill>
@@ -8188,11 +7770,11 @@
             </a:r>
           </a:p>
           <a:p>
-            <a:endParaRPr lang="en-US" dirty="0" smtClean="0"/>
-          </a:p>
-          <a:p>
-            <a:r>
-              <a:rPr lang="en-US" dirty="0" smtClean="0">
+            <a:endParaRPr lang="en-US" dirty="0"/>
+          </a:p>
+          <a:p>
+            <a:r>
+              <a:rPr lang="en-US" dirty="0">
                 <a:solidFill>
                   <a:srgbClr val="00B050"/>
                 </a:solidFill>
@@ -8202,7 +7784,7 @@
           </a:p>
           <a:p>
             <a:r>
-              <a:rPr lang="en-US" dirty="0" smtClean="0">
+              <a:rPr lang="en-US" dirty="0">
                 <a:solidFill>
                   <a:srgbClr val="FFFF00"/>
                 </a:solidFill>
@@ -8210,7 +7792,7 @@
               <a:t>$</a:t>
             </a:r>
             <a:r>
-              <a:rPr lang="en-US" dirty="0" err="1" smtClean="0">
+              <a:rPr lang="en-US" dirty="0" err="1">
                 <a:solidFill>
                   <a:srgbClr val="FFFF00"/>
                 </a:solidFill>
@@ -8218,7 +7800,7 @@
               <a:t>autoload</a:t>
             </a:r>
             <a:r>
-              <a:rPr lang="en-US" dirty="0" smtClean="0">
+              <a:rPr lang="en-US" dirty="0">
                 <a:solidFill>
                   <a:srgbClr val="FFFF00"/>
                 </a:solidFill>
@@ -8228,13 +7810,13 @@
           </a:p>
           <a:p>
             <a:r>
-              <a:rPr lang="en-US" dirty="0" smtClean="0"/>
+              <a:rPr lang="en-US" dirty="0"/>
               <a:t>	</a:t>
             </a:r>
           </a:p>
           <a:p>
             <a:r>
-              <a:rPr lang="en-US" dirty="0" smtClean="0">
+              <a:rPr lang="en-US" dirty="0">
                 <a:solidFill>
                   <a:srgbClr val="00B050"/>
                 </a:solidFill>
@@ -8242,7 +7824,7 @@
               <a:t># load all scripts in </a:t>
             </a:r>
             <a:r>
-              <a:rPr lang="en-US" dirty="0" err="1" smtClean="0">
+              <a:rPr lang="en-US" dirty="0" err="1">
                 <a:solidFill>
                   <a:srgbClr val="00B050"/>
                 </a:solidFill>
@@ -8250,7 +7832,7 @@
               <a:t>autoload</a:t>
             </a:r>
             <a:r>
-              <a:rPr lang="en-US" dirty="0" smtClean="0">
+              <a:rPr lang="en-US" dirty="0">
                 <a:solidFill>
                   <a:srgbClr val="00B050"/>
                 </a:solidFill>
@@ -8260,7 +7842,7 @@
           </a:p>
           <a:p>
             <a:r>
-              <a:rPr lang="en-US" dirty="0" smtClean="0">
+              <a:rPr lang="en-US" dirty="0">
                 <a:solidFill>
                   <a:srgbClr val="FFFF00"/>
                 </a:solidFill>
@@ -8268,7 +7850,7 @@
               <a:t>Get-</a:t>
             </a:r>
             <a:r>
-              <a:rPr lang="en-US" dirty="0" err="1" smtClean="0">
+              <a:rPr lang="en-US" dirty="0" err="1">
                 <a:solidFill>
                   <a:srgbClr val="FFFF00"/>
                 </a:solidFill>
@@ -8276,7 +7858,7 @@
               <a:t>ChildItem</a:t>
             </a:r>
             <a:r>
-              <a:rPr lang="en-US" dirty="0" smtClean="0">
+              <a:rPr lang="en-US" dirty="0">
                 <a:solidFill>
                   <a:srgbClr val="FFFF00"/>
                 </a:solidFill>
@@ -8284,7 +7866,7 @@
               <a:t> "${</a:t>
             </a:r>
             <a:r>
-              <a:rPr lang="en-US" dirty="0" err="1" smtClean="0">
+              <a:rPr lang="en-US" dirty="0" err="1">
                 <a:solidFill>
                   <a:srgbClr val="FFFF00"/>
                 </a:solidFill>
@@ -8292,7 +7874,7 @@
               <a:t>autoload</a:t>
             </a:r>
             <a:r>
-              <a:rPr lang="en-US" dirty="0" smtClean="0">
+              <a:rPr lang="en-US" dirty="0">
                 <a:solidFill>
                   <a:srgbClr val="FFFF00"/>
                 </a:solidFill>
@@ -8300,7 +7882,7 @@
               <a:t>}\*.ps1" | </a:t>
             </a:r>
             <a:r>
-              <a:rPr lang="en-US" dirty="0" err="1" smtClean="0">
+              <a:rPr lang="en-US" dirty="0" err="1">
                 <a:solidFill>
                   <a:srgbClr val="FFFF00"/>
                 </a:solidFill>
@@ -8308,7 +7890,7 @@
               <a:t>ForEach</a:t>
             </a:r>
             <a:r>
-              <a:rPr lang="en-US" dirty="0" smtClean="0">
+              <a:rPr lang="en-US" dirty="0">
                 <a:solidFill>
                   <a:srgbClr val="FFFF00"/>
                 </a:solidFill>
@@ -8318,7 +7900,7 @@
           </a:p>
           <a:p>
             <a:r>
-              <a:rPr lang="en-US" dirty="0" smtClean="0">
+              <a:rPr lang="en-US" dirty="0">
                 <a:solidFill>
                   <a:srgbClr val="00B050"/>
                 </a:solidFill>
@@ -8328,7 +7910,7 @@
           </a:p>
           <a:p>
             <a:r>
-              <a:rPr lang="en-US" dirty="0" smtClean="0">
+              <a:rPr lang="en-US" dirty="0">
                 <a:solidFill>
                   <a:srgbClr val="00B050"/>
                 </a:solidFill>
@@ -8337,11 +7919,11 @@
             </a:r>
           </a:p>
           <a:p>
-            <a:endParaRPr lang="en-US" dirty="0" smtClean="0"/>
-          </a:p>
-          <a:p>
-            <a:r>
-              <a:rPr lang="en-US" dirty="0" smtClean="0">
+            <a:endParaRPr lang="en-US" dirty="0"/>
+          </a:p>
+          <a:p>
+            <a:r>
+              <a:rPr lang="en-US" dirty="0">
                 <a:solidFill>
                   <a:srgbClr val="FFFF00"/>
                 </a:solidFill>
@@ -8351,13 +7933,13 @@
           </a:p>
           <a:p>
             <a:r>
-              <a:rPr lang="en-US" dirty="0" smtClean="0"/>
+              <a:rPr lang="en-US" dirty="0"/>
               <a:t>	</a:t>
             </a:r>
           </a:p>
           <a:p>
             <a:r>
-              <a:rPr lang="en-US" dirty="0" smtClean="0">
+              <a:rPr lang="en-US" dirty="0">
                 <a:solidFill>
                   <a:srgbClr val="00B050"/>
                 </a:solidFill>
@@ -8367,7 +7949,7 @@
           </a:p>
           <a:p>
             <a:r>
-              <a:rPr lang="en-US" dirty="0" smtClean="0">
+              <a:rPr lang="en-US" dirty="0">
                 <a:solidFill>
                   <a:srgbClr val="FFFF00"/>
                 </a:solidFill>
@@ -8375,7 +7957,7 @@
               <a:t>Write-Host "`</a:t>
             </a:r>
             <a:r>
-              <a:rPr lang="en-US" dirty="0" err="1" smtClean="0">
+              <a:rPr lang="en-US" dirty="0" err="1">
                 <a:solidFill>
                   <a:srgbClr val="FFFF00"/>
                 </a:solidFill>
@@ -8383,7 +7965,7 @@
               <a:t>nYou</a:t>
             </a:r>
             <a:r>
-              <a:rPr lang="en-US" dirty="0" smtClean="0">
+              <a:rPr lang="en-US" dirty="0">
                 <a:solidFill>
                   <a:srgbClr val="FFFF00"/>
                 </a:solidFill>
@@ -8391,7 +7973,7 @@
               <a:t> are now entering a custom PowerShell Environment : "$</a:t>
             </a:r>
             <a:r>
-              <a:rPr lang="en-US" dirty="0" err="1" smtClean="0">
+              <a:rPr lang="en-US" dirty="0" err="1">
                 <a:solidFill>
                   <a:srgbClr val="FFFF00"/>
                 </a:solidFill>
@@ -8399,7 +7981,7 @@
               <a:t>env:userDomain</a:t>
             </a:r>
             <a:r>
-              <a:rPr lang="en-US" dirty="0" smtClean="0">
+              <a:rPr lang="en-US" dirty="0">
                 <a:solidFill>
                   <a:srgbClr val="FFFF00"/>
                 </a:solidFill>
@@ -8407,7 +7989,7 @@
               <a:t>\$</a:t>
             </a:r>
             <a:r>
-              <a:rPr lang="en-US" dirty="0" err="1" smtClean="0">
+              <a:rPr lang="en-US" dirty="0" err="1">
                 <a:solidFill>
                   <a:srgbClr val="FFFF00"/>
                 </a:solidFill>
@@ -8415,7 +7997,7 @@
               <a:t>env:Username</a:t>
             </a:r>
             <a:r>
-              <a:rPr lang="en-US" dirty="0" smtClean="0">
+              <a:rPr lang="en-US" dirty="0">
                 <a:solidFill>
                   <a:srgbClr val="FFFF00"/>
                 </a:solidFill>
@@ -8423,7 +8005,7 @@
               <a:t> -</a:t>
             </a:r>
             <a:r>
-              <a:rPr lang="en-US" dirty="0" err="1" smtClean="0">
+              <a:rPr lang="en-US" dirty="0" err="1">
                 <a:solidFill>
                   <a:srgbClr val="FFFF00"/>
                 </a:solidFill>
@@ -8431,7 +8013,7 @@
               <a:t>foregroundcolor</a:t>
             </a:r>
             <a:r>
-              <a:rPr lang="en-US" dirty="0" smtClean="0">
+              <a:rPr lang="en-US" dirty="0">
                 <a:solidFill>
                   <a:srgbClr val="FFFF00"/>
                 </a:solidFill>
@@ -8439,7 +8021,7 @@
               <a:t> "black" -</a:t>
             </a:r>
             <a:r>
-              <a:rPr lang="en-US" dirty="0" err="1" smtClean="0">
+              <a:rPr lang="en-US" dirty="0" err="1">
                 <a:solidFill>
                   <a:srgbClr val="FFFF00"/>
                 </a:solidFill>
@@ -8447,7 +8029,7 @@
               <a:t>backgroundcolor</a:t>
             </a:r>
             <a:r>
-              <a:rPr lang="en-US" dirty="0" smtClean="0">
+              <a:rPr lang="en-US" dirty="0">
                 <a:solidFill>
                   <a:srgbClr val="FFFF00"/>
                 </a:solidFill>
@@ -8455,14 +8037,14 @@
               <a:t> "</a:t>
             </a:r>
             <a:r>
-              <a:rPr lang="en-US" dirty="0" err="1" smtClean="0">
+              <a:rPr lang="en-US" dirty="0" err="1">
                 <a:solidFill>
                   <a:srgbClr val="FFFF00"/>
                 </a:solidFill>
               </a:rPr>
               <a:t>yellow"`n</a:t>
             </a:r>
-            <a:endParaRPr lang="en-US" dirty="0" smtClean="0">
+            <a:endParaRPr lang="en-US" dirty="0">
               <a:solidFill>
                 <a:srgbClr val="FFFF00"/>
               </a:solidFill>
